--- a/Doc/lua1.pptx
+++ b/Doc/lua1.pptx
@@ -43,16 +43,17 @@
     <p:sldId id="311" r:id="rId37"/>
     <p:sldId id="314" r:id="rId38"/>
     <p:sldId id="310" r:id="rId39"/>
-    <p:sldId id="270" r:id="rId40"/>
-    <p:sldId id="315" r:id="rId41"/>
-    <p:sldId id="316" r:id="rId42"/>
-    <p:sldId id="320" r:id="rId43"/>
-    <p:sldId id="317" r:id="rId44"/>
-    <p:sldId id="319" r:id="rId45"/>
-    <p:sldId id="285" r:id="rId46"/>
-    <p:sldId id="284" r:id="rId47"/>
-    <p:sldId id="286" r:id="rId48"/>
-    <p:sldId id="318" r:id="rId49"/>
+    <p:sldId id="321" r:id="rId40"/>
+    <p:sldId id="270" r:id="rId41"/>
+    <p:sldId id="315" r:id="rId42"/>
+    <p:sldId id="316" r:id="rId43"/>
+    <p:sldId id="320" r:id="rId44"/>
+    <p:sldId id="317" r:id="rId45"/>
+    <p:sldId id="319" r:id="rId46"/>
+    <p:sldId id="285" r:id="rId47"/>
+    <p:sldId id="284" r:id="rId48"/>
+    <p:sldId id="286" r:id="rId49"/>
+    <p:sldId id="318" r:id="rId50"/>
   </p:sldIdLst>
   <p:sldSz cx="9144000" cy="6858000" type="screen4x3"/>
   <p:notesSz cx="6858000" cy="9144000"/>
@@ -336,7 +337,7 @@
             <a:fld id="{530820CF-B880-4189-942D-D702A7CBA730}" type="datetimeFigureOut">
               <a:rPr lang="zh-CN" altLang="en-US" smtClean="0"/>
               <a:pPr/>
-              <a:t>2014/8/24</a:t>
+              <a:t>2014/8/25</a:t>
             </a:fld>
             <a:endParaRPr lang="zh-CN" altLang="en-US"/>
           </a:p>
@@ -503,7 +504,7 @@
             <a:fld id="{530820CF-B880-4189-942D-D702A7CBA730}" type="datetimeFigureOut">
               <a:rPr lang="zh-CN" altLang="en-US" smtClean="0"/>
               <a:pPr/>
-              <a:t>2014/8/24</a:t>
+              <a:t>2014/8/25</a:t>
             </a:fld>
             <a:endParaRPr lang="zh-CN" altLang="en-US"/>
           </a:p>
@@ -680,7 +681,7 @@
             <a:fld id="{530820CF-B880-4189-942D-D702A7CBA730}" type="datetimeFigureOut">
               <a:rPr lang="zh-CN" altLang="en-US" smtClean="0"/>
               <a:pPr/>
-              <a:t>2014/8/24</a:t>
+              <a:t>2014/8/25</a:t>
             </a:fld>
             <a:endParaRPr lang="zh-CN" altLang="en-US"/>
           </a:p>
@@ -847,7 +848,7 @@
             <a:fld id="{530820CF-B880-4189-942D-D702A7CBA730}" type="datetimeFigureOut">
               <a:rPr lang="zh-CN" altLang="en-US" smtClean="0"/>
               <a:pPr/>
-              <a:t>2014/8/24</a:t>
+              <a:t>2014/8/25</a:t>
             </a:fld>
             <a:endParaRPr lang="zh-CN" altLang="en-US"/>
           </a:p>
@@ -1090,7 +1091,7 @@
             <a:fld id="{530820CF-B880-4189-942D-D702A7CBA730}" type="datetimeFigureOut">
               <a:rPr lang="zh-CN" altLang="en-US" smtClean="0"/>
               <a:pPr/>
-              <a:t>2014/8/24</a:t>
+              <a:t>2014/8/25</a:t>
             </a:fld>
             <a:endParaRPr lang="zh-CN" altLang="en-US"/>
           </a:p>
@@ -1375,7 +1376,7 @@
             <a:fld id="{530820CF-B880-4189-942D-D702A7CBA730}" type="datetimeFigureOut">
               <a:rPr lang="zh-CN" altLang="en-US" smtClean="0"/>
               <a:pPr/>
-              <a:t>2014/8/24</a:t>
+              <a:t>2014/8/25</a:t>
             </a:fld>
             <a:endParaRPr lang="zh-CN" altLang="en-US"/>
           </a:p>
@@ -1794,7 +1795,7 @@
             <a:fld id="{530820CF-B880-4189-942D-D702A7CBA730}" type="datetimeFigureOut">
               <a:rPr lang="zh-CN" altLang="en-US" smtClean="0"/>
               <a:pPr/>
-              <a:t>2014/8/24</a:t>
+              <a:t>2014/8/25</a:t>
             </a:fld>
             <a:endParaRPr lang="zh-CN" altLang="en-US"/>
           </a:p>
@@ -1909,7 +1910,7 @@
             <a:fld id="{530820CF-B880-4189-942D-D702A7CBA730}" type="datetimeFigureOut">
               <a:rPr lang="zh-CN" altLang="en-US" smtClean="0"/>
               <a:pPr/>
-              <a:t>2014/8/24</a:t>
+              <a:t>2014/8/25</a:t>
             </a:fld>
             <a:endParaRPr lang="zh-CN" altLang="en-US"/>
           </a:p>
@@ -2001,7 +2002,7 @@
             <a:fld id="{530820CF-B880-4189-942D-D702A7CBA730}" type="datetimeFigureOut">
               <a:rPr lang="zh-CN" altLang="en-US" smtClean="0"/>
               <a:pPr/>
-              <a:t>2014/8/24</a:t>
+              <a:t>2014/8/25</a:t>
             </a:fld>
             <a:endParaRPr lang="zh-CN" altLang="en-US"/>
           </a:p>
@@ -2275,7 +2276,7 @@
             <a:fld id="{530820CF-B880-4189-942D-D702A7CBA730}" type="datetimeFigureOut">
               <a:rPr lang="zh-CN" altLang="en-US" smtClean="0"/>
               <a:pPr/>
-              <a:t>2014/8/24</a:t>
+              <a:t>2014/8/25</a:t>
             </a:fld>
             <a:endParaRPr lang="zh-CN" altLang="en-US"/>
           </a:p>
@@ -2525,7 +2526,7 @@
             <a:fld id="{530820CF-B880-4189-942D-D702A7CBA730}" type="datetimeFigureOut">
               <a:rPr lang="zh-CN" altLang="en-US" smtClean="0"/>
               <a:pPr/>
-              <a:t>2014/8/24</a:t>
+              <a:t>2014/8/25</a:t>
             </a:fld>
             <a:endParaRPr lang="zh-CN" altLang="en-US"/>
           </a:p>
@@ -2735,7 +2736,7 @@
             <a:fld id="{530820CF-B880-4189-942D-D702A7CBA730}" type="datetimeFigureOut">
               <a:rPr lang="zh-CN" altLang="en-US" smtClean="0"/>
               <a:pPr/>
-              <a:t>2014/8/24</a:t>
+              <a:t>2014/8/25</a:t>
             </a:fld>
             <a:endParaRPr lang="zh-CN" altLang="en-US"/>
           </a:p>
@@ -7711,12 +7712,25 @@
             </a:r>
             <a:r>
               <a:rPr lang="en-US" altLang="zh-CN" dirty="0" err="1" smtClean="0"/>
-              <a:t>ob:func</a:t>
-            </a:r>
-            <a:r>
-              <a:rPr lang="en-US" altLang="zh-CN" dirty="0" smtClean="0"/>
-              <a:t>();</a:t>
-            </a:r>
+              <a:t>func</a:t>
+            </a:r>
+            <a:r>
+              <a:rPr lang="en-US" altLang="zh-CN" dirty="0" smtClean="0"/>
+              <a:t>(</a:t>
+            </a:r>
+            <a:r>
+              <a:rPr lang="en-US" altLang="zh-CN" dirty="0" err="1" smtClean="0"/>
+              <a:t>oa</a:t>
+            </a:r>
+            <a:r>
+              <a:rPr lang="en-US" altLang="zh-CN" dirty="0" smtClean="0"/>
+              <a:t>);   //</a:t>
+            </a:r>
+            <a:r>
+              <a:rPr lang="zh-CN" altLang="en-US" dirty="0" smtClean="0"/>
+              <a:t>正确</a:t>
+            </a:r>
+            <a:endParaRPr lang="en-US" altLang="zh-CN" dirty="0" smtClean="0"/>
           </a:p>
           <a:p>
             <a:pPr>
@@ -7728,28 +7742,20 @@
             </a:r>
             <a:r>
               <a:rPr lang="en-US" altLang="zh-CN" dirty="0" err="1" smtClean="0"/>
-              <a:t>oc:func</a:t>
-            </a:r>
-            <a:r>
-              <a:rPr lang="en-US" altLang="zh-CN" dirty="0" smtClean="0"/>
-              <a:t>();   //</a:t>
-            </a:r>
-            <a:r>
-              <a:rPr lang="zh-CN" altLang="en-US" dirty="0" smtClean="0"/>
-              <a:t>在</a:t>
-            </a:r>
-            <a:r>
-              <a:rPr lang="en-US" altLang="zh-CN" dirty="0" err="1" smtClean="0"/>
-              <a:t>lua</a:t>
-            </a:r>
-            <a:r>
-              <a:rPr lang="zh-CN" altLang="en-US" dirty="0" smtClean="0"/>
-              <a:t>中报错，因为找不到</a:t>
-            </a:r>
-            <a:r>
-              <a:rPr lang="en-US" altLang="zh-CN" dirty="0" err="1" smtClean="0"/>
               <a:t>func</a:t>
             </a:r>
+            <a:r>
+              <a:rPr lang="en-US" altLang="zh-CN" dirty="0" smtClean="0"/>
+              <a:t>(ob);  </a:t>
+            </a:r>
+            <a:r>
+              <a:rPr lang="en-US" altLang="zh-CN" dirty="0" smtClean="0"/>
+              <a:t>//</a:t>
+            </a:r>
+            <a:r>
+              <a:rPr lang="zh-CN" altLang="en-US" dirty="0" smtClean="0"/>
+              <a:t>也正确</a:t>
+            </a:r>
             <a:endParaRPr lang="en-US" altLang="zh-CN" dirty="0" smtClean="0"/>
           </a:p>
           <a:p>
@@ -7762,7 +7768,7 @@
             </a:r>
             <a:r>
               <a:rPr lang="en-US" altLang="zh-CN" dirty="0" err="1" smtClean="0"/>
-              <a:t>a.func</a:t>
+              <a:t>func</a:t>
             </a:r>
             <a:r>
               <a:rPr lang="en-US" altLang="zh-CN" dirty="0" smtClean="0"/>
@@ -7774,11 +7780,15 @@
             </a:r>
             <a:r>
               <a:rPr lang="en-US" altLang="zh-CN" dirty="0" smtClean="0"/>
-              <a:t>);   //</a:t>
-            </a:r>
-            <a:r>
-              <a:rPr lang="zh-CN" altLang="en-US" dirty="0" smtClean="0"/>
-              <a:t>直接引起内存访问错误</a:t>
+              <a:t>);   </a:t>
+            </a:r>
+            <a:r>
+              <a:rPr lang="en-US" altLang="zh-CN" dirty="0" smtClean="0"/>
+              <a:t>//</a:t>
+            </a:r>
+            <a:r>
+              <a:rPr lang="zh-CN" altLang="en-US" dirty="0" smtClean="0"/>
+              <a:t>可能会引发非常严重的问题</a:t>
             </a:r>
             <a:endParaRPr lang="en-US" altLang="zh-CN" dirty="0" smtClean="0"/>
           </a:p>
@@ -7957,11 +7967,7 @@
             </a:r>
             <a:r>
               <a:rPr lang="en-US" altLang="zh-CN" dirty="0" smtClean="0"/>
-              <a:t>p,</a:t>
-            </a:r>
-            <a:r>
-              <a:rPr lang="zh-CN" altLang="en-US" dirty="0" smtClean="0"/>
-              <a:t>位置参数</a:t>
+              <a:t>p</a:t>
             </a:r>
             <a:endParaRPr lang="en-US" altLang="zh-CN" dirty="0" smtClean="0"/>
           </a:p>
@@ -7971,24 +7977,25 @@
             </a:pPr>
             <a:r>
               <a:rPr lang="en-US" altLang="zh-CN" dirty="0" smtClean="0"/>
-              <a:t>		//(A*)p-&gt;</a:t>
-            </a:r>
-            <a:r>
-              <a:rPr lang="en-US" altLang="zh-CN" dirty="0" err="1" smtClean="0"/>
-              <a:t>func</a:t>
-            </a:r>
-            <a:r>
-              <a:rPr lang="en-US" altLang="zh-CN" dirty="0" smtClean="0"/>
-              <a:t>(</a:t>
-            </a:r>
-            <a:r>
-              <a:rPr lang="en-US" altLang="zh-CN" dirty="0" err="1" smtClean="0"/>
-              <a:t>x,y</a:t>
-            </a:r>
-            <a:r>
-              <a:rPr lang="en-US" altLang="zh-CN" dirty="0" smtClean="0"/>
-              <a:t>);</a:t>
-            </a:r>
+              <a:t>		//(A*)</a:t>
+            </a:r>
+            <a:r>
+              <a:rPr lang="en-US" altLang="zh-CN" dirty="0" smtClean="0"/>
+              <a:t>p</a:t>
+            </a:r>
+            <a:r>
+              <a:rPr lang="zh-CN" altLang="en-US" dirty="0" smtClean="0"/>
+              <a:t>之后可能会调用</a:t>
+            </a:r>
+            <a:r>
+              <a:rPr lang="en-US" altLang="zh-CN" dirty="0" smtClean="0"/>
+              <a:t>p</a:t>
+            </a:r>
+            <a:r>
+              <a:rPr lang="zh-CN" altLang="en-US" dirty="0" smtClean="0"/>
+              <a:t>的函数</a:t>
+            </a:r>
+            <a:endParaRPr lang="en-US" altLang="zh-CN" dirty="0" smtClean="0"/>
           </a:p>
           <a:p>
             <a:r>
@@ -8204,11 +8211,7 @@
             </a:r>
             <a:r>
               <a:rPr lang="zh-CN" altLang="en-US" dirty="0" smtClean="0"/>
-              <a:t> </a:t>
-            </a:r>
-            <a:r>
-              <a:rPr lang="en-US" altLang="zh-CN" dirty="0" smtClean="0"/>
-              <a:t>Reference </a:t>
+              <a:t>注册表实例</a:t>
             </a:r>
             <a:endParaRPr lang="zh-CN" altLang="en-US" dirty="0"/>
           </a:p>
@@ -8231,88 +8234,137 @@
           <a:p>
             <a:r>
               <a:rPr lang="zh-CN" altLang="en-US" dirty="0" smtClean="0"/>
-              <a:t>注册表中的用</a:t>
-            </a:r>
-            <a:r>
-              <a:rPr lang="en-US" altLang="zh-CN" dirty="0" err="1" smtClean="0"/>
-              <a:t>int</a:t>
-            </a:r>
-            <a:r>
-              <a:rPr lang="zh-CN" altLang="en-US" dirty="0" smtClean="0"/>
-              <a:t>做</a:t>
+              <a:t>为什么不在</a:t>
+            </a:r>
+            <a:r>
+              <a:rPr lang="en-US" altLang="zh-CN" dirty="0" smtClean="0"/>
+              <a:t>C++</a:t>
+            </a:r>
+            <a:r>
+              <a:rPr lang="zh-CN" altLang="en-US" dirty="0" smtClean="0"/>
+              <a:t>里保存</a:t>
+            </a:r>
+            <a:r>
+              <a:rPr lang="en-US" altLang="zh-CN" dirty="0" err="1" smtClean="0"/>
+              <a:t>userdata</a:t>
+            </a:r>
+            <a:r>
+              <a:rPr lang="zh-CN" altLang="en-US" dirty="0" smtClean="0"/>
+              <a:t>？</a:t>
+            </a:r>
+            <a:endParaRPr lang="en-US" altLang="zh-CN" dirty="0" smtClean="0"/>
+          </a:p>
+          <a:p>
+            <a:r>
+              <a:rPr lang="en-US" altLang="zh-CN" dirty="0" err="1" smtClean="0"/>
+              <a:t>Lua_newuserdata</a:t>
+            </a:r>
+            <a:r>
+              <a:rPr lang="zh-CN" altLang="en-US" dirty="0" smtClean="0"/>
+              <a:t>返回的是一个内存地址，可以把内容放入，但并不是</a:t>
+            </a:r>
+            <a:r>
+              <a:rPr lang="en-US" altLang="zh-CN" dirty="0" err="1" smtClean="0"/>
+              <a:t>userdata</a:t>
+            </a:r>
+            <a:r>
+              <a:rPr lang="zh-CN" altLang="en-US" dirty="0" smtClean="0"/>
+              <a:t>对象，保存该指针是无意义的</a:t>
+            </a:r>
+            <a:endParaRPr lang="en-US" altLang="zh-CN" dirty="0" smtClean="0"/>
+          </a:p>
+          <a:p>
+            <a:r>
+              <a:rPr lang="zh-CN" altLang="en-US" dirty="0" smtClean="0"/>
+              <a:t>在注册表中，通过查表</a:t>
+            </a:r>
+            <a:endParaRPr lang="en-US" altLang="zh-CN" dirty="0" smtClean="0"/>
+          </a:p>
+          <a:p>
+            <a:pPr>
+              <a:buNone/>
+            </a:pPr>
+            <a:r>
+              <a:rPr lang="en-US" altLang="zh-CN" dirty="0" smtClean="0"/>
+              <a:t>	</a:t>
+            </a:r>
+            <a:r>
+              <a:rPr lang="en-US" altLang="zh-CN" dirty="0" err="1" smtClean="0"/>
+              <a:t>Lua_gettable</a:t>
+            </a:r>
+            <a:r>
+              <a:rPr lang="en-US" altLang="zh-CN" dirty="0" smtClean="0"/>
+              <a:t>(L</a:t>
+            </a:r>
+            <a:r>
+              <a:rPr lang="en-US" altLang="zh-CN" dirty="0" smtClean="0"/>
+              <a:t>, </a:t>
+            </a:r>
+            <a:r>
+              <a:rPr lang="en-US" altLang="zh-CN" dirty="0" smtClean="0"/>
+              <a:t>LUA_REGISTRYINDEX)</a:t>
+            </a:r>
+          </a:p>
+          <a:p>
+            <a:pPr>
+              <a:buNone/>
+            </a:pPr>
+            <a:r>
+              <a:rPr lang="en-US" altLang="zh-CN" dirty="0" smtClean="0"/>
+              <a:t>	</a:t>
+            </a:r>
+            <a:r>
+              <a:rPr lang="zh-CN" altLang="en-US" dirty="0" smtClean="0"/>
+              <a:t>可以把</a:t>
+            </a:r>
+            <a:r>
+              <a:rPr lang="en-US" altLang="zh-CN" dirty="0" err="1" smtClean="0"/>
+              <a:t>userdata</a:t>
+            </a:r>
+            <a:r>
+              <a:rPr lang="zh-CN" altLang="en-US" dirty="0" smtClean="0"/>
+              <a:t>对象放如到栈中</a:t>
+            </a:r>
+            <a:endParaRPr lang="en-US" altLang="zh-CN" dirty="0" smtClean="0"/>
+          </a:p>
+          <a:p>
+            <a:pPr>
+              <a:buNone/>
+            </a:pPr>
+            <a:r>
+              <a:rPr lang="en-US" altLang="zh-CN" dirty="0" smtClean="0"/>
+              <a:t>	</a:t>
+            </a:r>
+            <a:r>
+              <a:rPr lang="zh-CN" altLang="en-US" dirty="0" smtClean="0"/>
+              <a:t>不要试图保存</a:t>
+            </a:r>
+            <a:r>
+              <a:rPr lang="en-US" altLang="zh-CN" dirty="0" err="1" smtClean="0"/>
+              <a:t>lua</a:t>
+            </a:r>
+            <a:r>
+              <a:rPr lang="zh-CN" altLang="en-US" dirty="0" smtClean="0"/>
+              <a:t>对象，保存</a:t>
+            </a:r>
+            <a:r>
+              <a:rPr lang="en-US" altLang="zh-CN" dirty="0" err="1" smtClean="0"/>
+              <a:t>lua</a:t>
+            </a:r>
+            <a:r>
+              <a:rPr lang="zh-CN" altLang="en-US" dirty="0" smtClean="0"/>
+              <a:t>对象的</a:t>
             </a:r>
             <a:r>
               <a:rPr lang="en-US" altLang="zh-CN" dirty="0" smtClean="0"/>
               <a:t>key</a:t>
             </a:r>
-            <a:r>
-              <a:rPr lang="zh-CN" altLang="en-US" dirty="0" smtClean="0"/>
-              <a:t>，</a:t>
-            </a:r>
-            <a:r>
-              <a:rPr lang="en-US" altLang="zh-CN" dirty="0" err="1" smtClean="0"/>
-              <a:t>lua</a:t>
-            </a:r>
-            <a:r>
-              <a:rPr lang="zh-CN" altLang="en-US" dirty="0" smtClean="0"/>
-              <a:t>的各种</a:t>
-            </a:r>
-            <a:r>
-              <a:rPr lang="en-US" altLang="zh-CN" dirty="0" smtClean="0"/>
-              <a:t>value</a:t>
-            </a:r>
-            <a:r>
-              <a:rPr lang="zh-CN" altLang="en-US" dirty="0" smtClean="0"/>
-              <a:t>作为值的逻辑</a:t>
-            </a:r>
-            <a:endParaRPr lang="en-US" altLang="zh-CN" dirty="0" smtClean="0"/>
-          </a:p>
-          <a:p>
-            <a:r>
-              <a:rPr lang="zh-CN" altLang="en-US" dirty="0" smtClean="0"/>
-              <a:t>一般</a:t>
-            </a:r>
-            <a:r>
-              <a:rPr lang="en-US" altLang="zh-CN" dirty="0" smtClean="0"/>
-              <a:t>C++</a:t>
-            </a:r>
-            <a:r>
-              <a:rPr lang="zh-CN" altLang="en-US" dirty="0" smtClean="0"/>
-              <a:t>查找</a:t>
-            </a:r>
-            <a:r>
-              <a:rPr lang="en-US" altLang="zh-CN" dirty="0" err="1" smtClean="0"/>
-              <a:t>lua</a:t>
-            </a:r>
-            <a:r>
-              <a:rPr lang="zh-CN" altLang="en-US" dirty="0" smtClean="0"/>
-              <a:t>中的内容，使用字符串查找，如果用引用机制，查找效率提升</a:t>
-            </a:r>
-            <a:endParaRPr lang="en-US" altLang="zh-CN" dirty="0" smtClean="0"/>
-          </a:p>
-          <a:p>
-            <a:r>
-              <a:rPr lang="en-US" altLang="zh-CN" dirty="0" smtClean="0"/>
-              <a:t>table</a:t>
-            </a:r>
-            <a:r>
-              <a:rPr lang="zh-CN" altLang="en-US" dirty="0" smtClean="0"/>
-              <a:t>，回调函数管理</a:t>
-            </a:r>
-            <a:endParaRPr lang="en-US" altLang="zh-CN" dirty="0" smtClean="0"/>
-          </a:p>
-          <a:p>
-            <a:r>
-              <a:rPr lang="zh-CN" altLang="en-US" dirty="0" smtClean="0"/>
-              <a:t>改变值的生命周期</a:t>
-            </a:r>
-            <a:endParaRPr lang="en-US" altLang="zh-CN" dirty="0" smtClean="0"/>
-          </a:p>
-          <a:p>
-            <a:r>
-              <a:rPr lang="zh-CN" altLang="en-US" dirty="0" smtClean="0"/>
-              <a:t>一般回调函数通过名字来对应</a:t>
-            </a:r>
+            <a:endParaRPr lang="en-US" altLang="zh-CN" dirty="0" smtClean="0"/>
+          </a:p>
+          <a:p>
+            <a:pPr>
+              <a:buNone/>
+            </a:pPr>
             <a:endParaRPr lang="en-US" altLang="zh-CN" dirty="0" smtClean="0"/>
           </a:p>
         </p:txBody>
@@ -8567,111 +8619,93 @@
         </p:nvSpPr>
         <p:spPr/>
         <p:txBody>
-          <a:bodyPr>
-            <a:normAutofit lnSpcReduction="10000"/>
-          </a:bodyPr>
-          <a:lstStyle/>
-          <a:p>
-            <a:r>
-              <a:rPr lang="en-US" altLang="zh-CN" dirty="0" smtClean="0"/>
-              <a:t>function Init()</a:t>
-            </a:r>
-          </a:p>
-          <a:p>
-            <a:pPr>
-              <a:buNone/>
-            </a:pPr>
-            <a:r>
-              <a:rPr lang="en-US" altLang="zh-CN" dirty="0" smtClean="0"/>
-              <a:t>     local layer1 = </a:t>
-            </a:r>
-            <a:r>
-              <a:rPr lang="en-US" altLang="zh-CN" dirty="0" err="1" smtClean="0"/>
-              <a:t>cc.LayerColor:create</a:t>
-            </a:r>
-            <a:r>
-              <a:rPr lang="en-US" altLang="zh-CN" dirty="0" smtClean="0"/>
-              <a:t>(cc.c4b(255, 			  0, 0, 255), 85, 121);        </a:t>
-            </a:r>
-          </a:p>
-          <a:p>
-            <a:pPr>
-              <a:buNone/>
-            </a:pPr>
-            <a:r>
-              <a:rPr lang="en-US" altLang="zh-CN" dirty="0" smtClean="0"/>
-              <a:t>         local function </a:t>
-            </a:r>
-            <a:r>
-              <a:rPr lang="en-US" altLang="zh-CN" dirty="0" err="1" smtClean="0"/>
-              <a:t>onTouch</a:t>
-            </a:r>
-            <a:r>
-              <a:rPr lang="en-US" altLang="zh-CN" dirty="0" smtClean="0"/>
-              <a:t>()</a:t>
-            </a:r>
-          </a:p>
-          <a:p>
-            <a:pPr>
-              <a:buNone/>
-            </a:pPr>
-            <a:r>
-              <a:rPr lang="en-US" altLang="zh-CN" dirty="0" smtClean="0"/>
-              <a:t>             </a:t>
-            </a:r>
-            <a:r>
-              <a:rPr lang="en-US" altLang="zh-CN" dirty="0" err="1" smtClean="0"/>
-              <a:t>xxxx</a:t>
-            </a:r>
-            <a:r>
-              <a:rPr lang="en-US" altLang="zh-CN" dirty="0" smtClean="0"/>
-              <a:t>…</a:t>
-            </a:r>
-          </a:p>
-          <a:p>
-            <a:pPr>
-              <a:buNone/>
-            </a:pPr>
-            <a:r>
-              <a:rPr lang="en-US" altLang="zh-CN" dirty="0" smtClean="0"/>
-              <a:t>         end;</a:t>
-            </a:r>
-          </a:p>
-          <a:p>
-            <a:pPr>
-              <a:buNone/>
-            </a:pPr>
-            <a:r>
-              <a:rPr lang="en-US" altLang="zh-CN" dirty="0" smtClean="0"/>
-              <a:t>	     layer1 :</a:t>
-            </a:r>
-            <a:r>
-              <a:rPr lang="en-US" altLang="zh-CN" dirty="0" err="1" smtClean="0"/>
-              <a:t>registerScriptHandler</a:t>
-            </a:r>
-            <a:r>
-              <a:rPr lang="en-US" altLang="zh-CN" dirty="0" smtClean="0"/>
-              <a:t>(</a:t>
-            </a:r>
-            <a:r>
-              <a:rPr lang="en-US" altLang="zh-CN" dirty="0" err="1" smtClean="0"/>
-              <a:t>onTouch</a:t>
-            </a:r>
-            <a:r>
-              <a:rPr lang="en-US" altLang="zh-CN" dirty="0" smtClean="0"/>
-              <a:t>);</a:t>
-            </a:r>
-          </a:p>
-          <a:p>
-            <a:pPr>
-              <a:buNone/>
-            </a:pPr>
-            <a:r>
-              <a:rPr lang="en-US" altLang="zh-CN" dirty="0" smtClean="0"/>
-              <a:t>    end;</a:t>
-            </a:r>
-          </a:p>
-          <a:p>
+          <a:bodyPr/>
+          <a:lstStyle/>
+          <a:p>
+            <a:r>
+              <a:rPr lang="zh-CN" altLang="en-US" dirty="0" smtClean="0"/>
+              <a:t>注册表中的用</a:t>
+            </a:r>
+            <a:r>
+              <a:rPr lang="en-US" altLang="zh-CN" dirty="0" err="1" smtClean="0"/>
+              <a:t>int</a:t>
+            </a:r>
+            <a:r>
+              <a:rPr lang="zh-CN" altLang="en-US" dirty="0" smtClean="0"/>
+              <a:t>做</a:t>
+            </a:r>
+            <a:r>
+              <a:rPr lang="en-US" altLang="zh-CN" dirty="0" smtClean="0"/>
+              <a:t>key</a:t>
+            </a:r>
+            <a:r>
+              <a:rPr lang="zh-CN" altLang="en-US" dirty="0" smtClean="0"/>
+              <a:t>，</a:t>
+            </a:r>
+            <a:r>
+              <a:rPr lang="en-US" altLang="zh-CN" dirty="0" err="1" smtClean="0"/>
+              <a:t>lua</a:t>
+            </a:r>
+            <a:r>
+              <a:rPr lang="zh-CN" altLang="en-US" dirty="0" smtClean="0"/>
+              <a:t>的各种</a:t>
+            </a:r>
+            <a:r>
+              <a:rPr lang="en-US" altLang="zh-CN" dirty="0" smtClean="0"/>
+              <a:t>value</a:t>
+            </a:r>
+            <a:r>
+              <a:rPr lang="zh-CN" altLang="en-US" dirty="0" smtClean="0"/>
+              <a:t>作为值的逻辑</a:t>
+            </a:r>
+            <a:endParaRPr lang="en-US" altLang="zh-CN" dirty="0" smtClean="0"/>
+          </a:p>
+          <a:p>
+            <a:r>
+              <a:rPr lang="zh-CN" altLang="en-US" dirty="0" smtClean="0"/>
+              <a:t>一般</a:t>
+            </a:r>
+            <a:r>
+              <a:rPr lang="en-US" altLang="zh-CN" dirty="0" smtClean="0"/>
+              <a:t>C++</a:t>
+            </a:r>
+            <a:r>
+              <a:rPr lang="zh-CN" altLang="en-US" dirty="0" smtClean="0"/>
+              <a:t>查找</a:t>
+            </a:r>
+            <a:r>
+              <a:rPr lang="en-US" altLang="zh-CN" dirty="0" err="1" smtClean="0"/>
+              <a:t>lua</a:t>
+            </a:r>
+            <a:r>
+              <a:rPr lang="zh-CN" altLang="en-US" dirty="0" smtClean="0"/>
+              <a:t>中的内容，使用字符串查找，如果用引用机制，查找效率提升</a:t>
+            </a:r>
+            <a:endParaRPr lang="en-US" altLang="zh-CN" dirty="0" smtClean="0"/>
+          </a:p>
+          <a:p>
+            <a:r>
+              <a:rPr lang="en-US" altLang="zh-CN" dirty="0" smtClean="0"/>
+              <a:t>table</a:t>
+            </a:r>
+            <a:r>
+              <a:rPr lang="zh-CN" altLang="en-US" dirty="0" smtClean="0"/>
+              <a:t>，回调函数管理</a:t>
+            </a:r>
+            <a:endParaRPr lang="en-US" altLang="zh-CN" dirty="0" smtClean="0"/>
+          </a:p>
+          <a:p>
+            <a:r>
+              <a:rPr lang="zh-CN" altLang="en-US" dirty="0" smtClean="0"/>
+              <a:t>改变值的生命周期</a:t>
+            </a:r>
+            <a:endParaRPr lang="en-US" altLang="zh-CN" dirty="0" smtClean="0"/>
+          </a:p>
+          <a:p>
+            <a:r>
+              <a:rPr lang="zh-CN" altLang="en-US" dirty="0" smtClean="0"/>
+              <a:t>一般回调函数通过名字来对应</a:t>
+            </a:r>
             <a:endParaRPr lang="en-US" altLang="zh-CN" dirty="0" smtClean="0"/>
           </a:p>
         </p:txBody>
@@ -8745,17 +8779,82 @@
         <p:spPr/>
         <p:txBody>
           <a:bodyPr>
-            <a:normAutofit/>
+            <a:normAutofit lnSpcReduction="10000"/>
           </a:bodyPr>
           <a:lstStyle/>
           <a:p>
             <a:r>
-              <a:rPr lang="en-US" altLang="zh-CN" dirty="0" err="1" smtClean="0"/>
-              <a:t>int</a:t>
-            </a:r>
-            <a:r>
-              <a:rPr lang="en-US" altLang="zh-CN" dirty="0" smtClean="0"/>
-              <a:t> </a:t>
+              <a:rPr lang="en-US" altLang="zh-CN" dirty="0" smtClean="0"/>
+              <a:t>function Init()</a:t>
+            </a:r>
+          </a:p>
+          <a:p>
+            <a:pPr>
+              <a:buNone/>
+            </a:pPr>
+            <a:r>
+              <a:rPr lang="en-US" altLang="zh-CN" dirty="0" smtClean="0"/>
+              <a:t>     local layer1 = </a:t>
+            </a:r>
+            <a:r>
+              <a:rPr lang="en-US" altLang="zh-CN" dirty="0" err="1" smtClean="0"/>
+              <a:t>cc.LayerColor:create</a:t>
+            </a:r>
+            <a:r>
+              <a:rPr lang="en-US" altLang="zh-CN" dirty="0" smtClean="0"/>
+              <a:t>(cc.c4b(255, 			  0, 0, 255), 85, 121);        </a:t>
+            </a:r>
+          </a:p>
+          <a:p>
+            <a:pPr>
+              <a:buNone/>
+            </a:pPr>
+            <a:r>
+              <a:rPr lang="en-US" altLang="zh-CN" dirty="0" smtClean="0"/>
+              <a:t>         local function </a:t>
+            </a:r>
+            <a:r>
+              <a:rPr lang="en-US" altLang="zh-CN" dirty="0" err="1" smtClean="0"/>
+              <a:t>onTouch</a:t>
+            </a:r>
+            <a:r>
+              <a:rPr lang="en-US" altLang="zh-CN" dirty="0" smtClean="0"/>
+              <a:t>()</a:t>
+            </a:r>
+          </a:p>
+          <a:p>
+            <a:pPr>
+              <a:buNone/>
+            </a:pPr>
+            <a:r>
+              <a:rPr lang="en-US" altLang="zh-CN" dirty="0" smtClean="0"/>
+              <a:t>             </a:t>
+            </a:r>
+            <a:r>
+              <a:rPr lang="en-US" altLang="zh-CN" dirty="0" err="1" smtClean="0"/>
+              <a:t>xxxx</a:t>
+            </a:r>
+            <a:r>
+              <a:rPr lang="en-US" altLang="zh-CN" dirty="0" smtClean="0"/>
+              <a:t>…</a:t>
+            </a:r>
+          </a:p>
+          <a:p>
+            <a:pPr>
+              <a:buNone/>
+            </a:pPr>
+            <a:r>
+              <a:rPr lang="en-US" altLang="zh-CN" dirty="0" smtClean="0"/>
+              <a:t>         end;</a:t>
+            </a:r>
+          </a:p>
+          <a:p>
+            <a:pPr>
+              <a:buNone/>
+            </a:pPr>
+            <a:r>
+              <a:rPr lang="en-US" altLang="zh-CN" dirty="0" smtClean="0"/>
+              <a:t>	     layer1 :</a:t>
             </a:r>
             <a:r>
               <a:rPr lang="en-US" altLang="zh-CN" dirty="0" err="1" smtClean="0"/>
@@ -8767,17 +8866,11 @@
             </a:r>
             <a:r>
               <a:rPr lang="en-US" altLang="zh-CN" dirty="0" err="1" smtClean="0"/>
-              <a:t>lua_state</a:t>
-            </a:r>
-            <a:r>
-              <a:rPr lang="en-US" altLang="zh-CN" dirty="0" smtClean="0"/>
-              <a:t>* L)</a:t>
-            </a:r>
-          </a:p>
-          <a:p>
-            <a:r>
-              <a:rPr lang="en-US" altLang="zh-CN" dirty="0" smtClean="0"/>
-              <a:t>{</a:t>
+              <a:t>onTouch</a:t>
+            </a:r>
+            <a:r>
+              <a:rPr lang="en-US" altLang="zh-CN" dirty="0" smtClean="0"/>
+              <a:t>);</a:t>
             </a:r>
           </a:p>
           <a:p>
@@ -8786,50 +8879,11 @@
             </a:pPr>
             <a:r>
               <a:rPr lang="en-US" altLang="zh-CN" dirty="0" smtClean="0"/>
-              <a:t>		if(</a:t>
-            </a:r>
-            <a:r>
-              <a:rPr lang="en-US" altLang="zh-CN" dirty="0" err="1" smtClean="0"/>
-              <a:t>lua_isFunction</a:t>
-            </a:r>
-            <a:r>
-              <a:rPr lang="en-US" altLang="zh-CN" dirty="0" smtClean="0"/>
-              <a:t>(L,1))</a:t>
-            </a:r>
-          </a:p>
-          <a:p>
-            <a:pPr>
-              <a:buNone/>
-            </a:pPr>
-            <a:r>
-              <a:rPr lang="en-US" altLang="zh-CN" dirty="0" smtClean="0"/>
-              <a:t>		</a:t>
-            </a:r>
-            <a:r>
-              <a:rPr lang="en-US" altLang="zh-CN" dirty="0" err="1" smtClean="0"/>
-              <a:t>m_touchCallBack</a:t>
-            </a:r>
-            <a:r>
-              <a:rPr lang="en-US" altLang="zh-CN" dirty="0" smtClean="0"/>
-              <a:t> = </a:t>
-            </a:r>
-            <a:r>
-              <a:rPr lang="en-US" altLang="zh-CN" dirty="0" err="1" smtClean="0"/>
-              <a:t>lua_ref</a:t>
-            </a:r>
-            <a:r>
-              <a:rPr lang="en-US" altLang="zh-CN" dirty="0" smtClean="0"/>
-              <a:t>(L,1);</a:t>
-            </a:r>
-          </a:p>
-          <a:p>
-            <a:pPr>
-              <a:buNone/>
-            </a:pPr>
-            <a:r>
-              <a:rPr lang="en-US" altLang="zh-CN" dirty="0" smtClean="0"/>
-              <a:t>	}</a:t>
-            </a:r>
+              <a:t>    end;</a:t>
+            </a:r>
+          </a:p>
+          <a:p>
+            <a:endParaRPr lang="en-US" altLang="zh-CN" dirty="0" smtClean="0"/>
           </a:p>
         </p:txBody>
       </p:sp>
@@ -8874,8 +8928,16 @@
           <a:lstStyle/>
           <a:p>
             <a:r>
-              <a:rPr lang="zh-CN" altLang="en-US" dirty="0" smtClean="0"/>
-              <a:t>小规模总结</a:t>
+              <a:rPr lang="en-US" altLang="zh-CN" dirty="0" smtClean="0"/>
+              <a:t>LUA</a:t>
+            </a:r>
+            <a:r>
+              <a:rPr lang="zh-CN" altLang="en-US" dirty="0" smtClean="0"/>
+              <a:t> </a:t>
+            </a:r>
+            <a:r>
+              <a:rPr lang="en-US" altLang="zh-CN" dirty="0" smtClean="0"/>
+              <a:t>Reference </a:t>
             </a:r>
             <a:endParaRPr lang="zh-CN" altLang="en-US" dirty="0"/>
           </a:p>
@@ -8893,41 +8955,92 @@
         </p:nvSpPr>
         <p:spPr/>
         <p:txBody>
-          <a:bodyPr/>
-          <a:lstStyle/>
-          <a:p>
-            <a:r>
-              <a:rPr lang="en-US" altLang="zh-CN" dirty="0" err="1" smtClean="0"/>
-              <a:t>Metatable</a:t>
-            </a:r>
-            <a:r>
-              <a:rPr lang="en-US" altLang="zh-CN" dirty="0" smtClean="0"/>
-              <a:t>  </a:t>
-            </a:r>
-          </a:p>
-          <a:p>
-            <a:r>
-              <a:rPr lang="en-US" altLang="zh-CN" dirty="0" err="1" smtClean="0"/>
-              <a:t>Userdata</a:t>
-            </a:r>
-            <a:endParaRPr lang="en-US" altLang="zh-CN" dirty="0" smtClean="0"/>
-          </a:p>
-          <a:p>
-            <a:r>
-              <a:rPr lang="zh-CN" altLang="en-US" dirty="0" smtClean="0"/>
-              <a:t>注册表</a:t>
-            </a:r>
-            <a:endParaRPr lang="en-US" altLang="zh-CN" dirty="0" smtClean="0"/>
-          </a:p>
-          <a:p>
-            <a:r>
-              <a:rPr lang="en-US" altLang="zh-CN" dirty="0" smtClean="0"/>
-              <a:t>reference</a:t>
-            </a:r>
-            <a:endParaRPr lang="en-US" altLang="zh-CN" dirty="0" smtClean="0"/>
-          </a:p>
-          <a:p>
-            <a:endParaRPr lang="zh-CN" altLang="en-US" dirty="0"/>
+          <a:bodyPr>
+            <a:normAutofit/>
+          </a:bodyPr>
+          <a:lstStyle/>
+          <a:p>
+            <a:r>
+              <a:rPr lang="en-US" altLang="zh-CN" dirty="0" err="1" smtClean="0"/>
+              <a:t>int</a:t>
+            </a:r>
+            <a:r>
+              <a:rPr lang="en-US" altLang="zh-CN" dirty="0" smtClean="0"/>
+              <a:t> </a:t>
+            </a:r>
+            <a:r>
+              <a:rPr lang="en-US" altLang="zh-CN" dirty="0" err="1" smtClean="0"/>
+              <a:t>registerScriptHandler</a:t>
+            </a:r>
+            <a:r>
+              <a:rPr lang="en-US" altLang="zh-CN" dirty="0" smtClean="0"/>
+              <a:t>(</a:t>
+            </a:r>
+            <a:r>
+              <a:rPr lang="en-US" altLang="zh-CN" dirty="0" err="1" smtClean="0"/>
+              <a:t>lua_state</a:t>
+            </a:r>
+            <a:r>
+              <a:rPr lang="en-US" altLang="zh-CN" dirty="0" smtClean="0"/>
+              <a:t>* L)</a:t>
+            </a:r>
+          </a:p>
+          <a:p>
+            <a:r>
+              <a:rPr lang="en-US" altLang="zh-CN" dirty="0" smtClean="0"/>
+              <a:t>{</a:t>
+            </a:r>
+          </a:p>
+          <a:p>
+            <a:pPr>
+              <a:buNone/>
+            </a:pPr>
+            <a:r>
+              <a:rPr lang="en-US" altLang="zh-CN" dirty="0" smtClean="0"/>
+              <a:t>		if(</a:t>
+            </a:r>
+            <a:r>
+              <a:rPr lang="en-US" altLang="zh-CN" dirty="0" err="1" smtClean="0"/>
+              <a:t>lua_isFunction</a:t>
+            </a:r>
+            <a:r>
+              <a:rPr lang="en-US" altLang="zh-CN" dirty="0" smtClean="0"/>
+              <a:t>(L,1))</a:t>
+            </a:r>
+          </a:p>
+          <a:p>
+            <a:pPr>
+              <a:buNone/>
+            </a:pPr>
+            <a:r>
+              <a:rPr lang="en-US" altLang="zh-CN" dirty="0" smtClean="0"/>
+              <a:t>		</a:t>
+            </a:r>
+            <a:r>
+              <a:rPr lang="en-US" altLang="zh-CN" dirty="0" err="1" smtClean="0"/>
+              <a:t>m_touchCallBack</a:t>
+            </a:r>
+            <a:r>
+              <a:rPr lang="en-US" altLang="zh-CN" dirty="0" smtClean="0"/>
+              <a:t> = </a:t>
+            </a:r>
+            <a:r>
+              <a:rPr lang="en-US" altLang="zh-CN" dirty="0" err="1" smtClean="0"/>
+              <a:t>lua_ref</a:t>
+            </a:r>
+            <a:r>
+              <a:rPr lang="en-US" altLang="zh-CN" dirty="0" smtClean="0"/>
+              <a:t>(L,1);</a:t>
+            </a:r>
+          </a:p>
+          <a:p>
+            <a:pPr>
+              <a:buNone/>
+            </a:pPr>
+            <a:r>
+              <a:rPr lang="en-US" altLang="zh-CN" dirty="0" smtClean="0"/>
+              <a:t>	}</a:t>
+            </a:r>
           </a:p>
         </p:txBody>
       </p:sp>
@@ -8972,20 +9085,8 @@
           <a:lstStyle/>
           <a:p>
             <a:r>
-              <a:rPr lang="en-US" altLang="zh-CN" dirty="0" smtClean="0"/>
-              <a:t>CE3</a:t>
-            </a:r>
-            <a:r>
-              <a:rPr lang="zh-CN" altLang="en-US" dirty="0" smtClean="0"/>
-              <a:t>的</a:t>
-            </a:r>
-            <a:r>
-              <a:rPr lang="en-US" altLang="zh-CN" dirty="0" smtClean="0"/>
-              <a:t>LUA</a:t>
-            </a:r>
-            <a:r>
-              <a:rPr lang="zh-CN" altLang="en-US" dirty="0" smtClean="0"/>
-              <a:t>使用</a:t>
+              <a:rPr lang="zh-CN" altLang="en-US" dirty="0" smtClean="0"/>
+              <a:t>小规模总结</a:t>
             </a:r>
             <a:endParaRPr lang="zh-CN" altLang="en-US" dirty="0"/>
           </a:p>
@@ -9005,6 +9106,36 @@
         <p:txBody>
           <a:bodyPr/>
           <a:lstStyle/>
+          <a:p>
+            <a:r>
+              <a:rPr lang="en-US" altLang="zh-CN" dirty="0" err="1" smtClean="0"/>
+              <a:t>Metatable</a:t>
+            </a:r>
+            <a:r>
+              <a:rPr lang="en-US" altLang="zh-CN" dirty="0" smtClean="0"/>
+              <a:t>  </a:t>
+            </a:r>
+          </a:p>
+          <a:p>
+            <a:r>
+              <a:rPr lang="en-US" altLang="zh-CN" dirty="0" err="1" smtClean="0"/>
+              <a:t>Userdata</a:t>
+            </a:r>
+            <a:endParaRPr lang="en-US" altLang="zh-CN" dirty="0" smtClean="0"/>
+          </a:p>
+          <a:p>
+            <a:r>
+              <a:rPr lang="zh-CN" altLang="en-US" dirty="0" smtClean="0"/>
+              <a:t>注册表</a:t>
+            </a:r>
+            <a:endParaRPr lang="en-US" altLang="zh-CN" dirty="0" smtClean="0"/>
+          </a:p>
+          <a:p>
+            <a:r>
+              <a:rPr lang="en-US" altLang="zh-CN" dirty="0" smtClean="0"/>
+              <a:t>reference</a:t>
+            </a:r>
+          </a:p>
           <a:p>
             <a:endParaRPr lang="zh-CN" altLang="en-US" dirty="0"/>
           </a:p>
@@ -9019,6 +9150,85 @@
 </file>
 
 <file path=ppt/slides/slide44.xml><?xml version="1.0" encoding="utf-8"?>
+<p:sld xmlns:a="http://schemas.openxmlformats.org/drawingml/2006/main" xmlns:r="http://schemas.openxmlformats.org/officeDocument/2006/relationships" xmlns:p="http://schemas.openxmlformats.org/presentationml/2006/main">
+  <p:cSld>
+    <p:spTree>
+      <p:nvGrpSpPr>
+        <p:cNvPr id="1" name=""/>
+        <p:cNvGrpSpPr/>
+        <p:nvPr/>
+      </p:nvGrpSpPr>
+      <p:grpSpPr>
+        <a:xfrm>
+          <a:off x="0" y="0"/>
+          <a:ext cx="0" cy="0"/>
+          <a:chOff x="0" y="0"/>
+          <a:chExt cx="0" cy="0"/>
+        </a:xfrm>
+      </p:grpSpPr>
+      <p:sp>
+        <p:nvSpPr>
+          <p:cNvPr id="2" name="标题 1"/>
+          <p:cNvSpPr>
+            <a:spLocks noGrp="1"/>
+          </p:cNvSpPr>
+          <p:nvPr>
+            <p:ph type="title"/>
+          </p:nvPr>
+        </p:nvSpPr>
+        <p:spPr/>
+        <p:txBody>
+          <a:bodyPr/>
+          <a:lstStyle/>
+          <a:p>
+            <a:r>
+              <a:rPr lang="en-US" altLang="zh-CN" dirty="0" smtClean="0"/>
+              <a:t>CE3</a:t>
+            </a:r>
+            <a:r>
+              <a:rPr lang="zh-CN" altLang="en-US" dirty="0" smtClean="0"/>
+              <a:t>的</a:t>
+            </a:r>
+            <a:r>
+              <a:rPr lang="en-US" altLang="zh-CN" dirty="0" smtClean="0"/>
+              <a:t>LUA</a:t>
+            </a:r>
+            <a:r>
+              <a:rPr lang="zh-CN" altLang="en-US" dirty="0" smtClean="0"/>
+              <a:t>使用</a:t>
+            </a:r>
+            <a:endParaRPr lang="zh-CN" altLang="en-US" dirty="0"/>
+          </a:p>
+        </p:txBody>
+      </p:sp>
+      <p:sp>
+        <p:nvSpPr>
+          <p:cNvPr id="3" name="内容占位符 2"/>
+          <p:cNvSpPr>
+            <a:spLocks noGrp="1"/>
+          </p:cNvSpPr>
+          <p:nvPr>
+            <p:ph idx="1"/>
+          </p:nvPr>
+        </p:nvSpPr>
+        <p:spPr/>
+        <p:txBody>
+          <a:bodyPr/>
+          <a:lstStyle/>
+          <a:p>
+            <a:endParaRPr lang="zh-CN" altLang="en-US" dirty="0"/>
+          </a:p>
+        </p:txBody>
+      </p:sp>
+    </p:spTree>
+  </p:cSld>
+  <p:clrMapOvr>
+    <a:masterClrMapping/>
+  </p:clrMapOvr>
+</p:sld>
+</file>
+
+<file path=ppt/slides/slide45.xml><?xml version="1.0" encoding="utf-8"?>
 <p:sld xmlns:a="http://schemas.openxmlformats.org/drawingml/2006/main" xmlns:r="http://schemas.openxmlformats.org/officeDocument/2006/relationships" xmlns:p="http://schemas.openxmlformats.org/presentationml/2006/main">
   <p:cSld>
     <p:spTree>
@@ -9109,149 +9319,6 @@
 </p:sld>
 </file>
 
-<file path=ppt/slides/slide45.xml><?xml version="1.0" encoding="utf-8"?>
-<p:sld xmlns:a="http://schemas.openxmlformats.org/drawingml/2006/main" xmlns:r="http://schemas.openxmlformats.org/officeDocument/2006/relationships" xmlns:p="http://schemas.openxmlformats.org/presentationml/2006/main">
-  <p:cSld>
-    <p:spTree>
-      <p:nvGrpSpPr>
-        <p:cNvPr id="1" name=""/>
-        <p:cNvGrpSpPr/>
-        <p:nvPr/>
-      </p:nvGrpSpPr>
-      <p:grpSpPr>
-        <a:xfrm>
-          <a:off x="0" y="0"/>
-          <a:ext cx="0" cy="0"/>
-          <a:chOff x="0" y="0"/>
-          <a:chExt cx="0" cy="0"/>
-        </a:xfrm>
-      </p:grpSpPr>
-      <p:sp>
-        <p:nvSpPr>
-          <p:cNvPr id="2" name="标题 1"/>
-          <p:cNvSpPr>
-            <a:spLocks noGrp="1"/>
-          </p:cNvSpPr>
-          <p:nvPr>
-            <p:ph type="title"/>
-          </p:nvPr>
-        </p:nvSpPr>
-        <p:spPr/>
-        <p:txBody>
-          <a:bodyPr/>
-          <a:lstStyle/>
-          <a:p>
-            <a:r>
-              <a:rPr lang="en-US" altLang="zh-CN" dirty="0" smtClean="0"/>
-              <a:t>CryEngine3</a:t>
-            </a:r>
-            <a:r>
-              <a:rPr lang="zh-CN" altLang="en-US" dirty="0" smtClean="0"/>
-              <a:t>的</a:t>
-            </a:r>
-            <a:r>
-              <a:rPr lang="en-US" altLang="zh-CN" dirty="0" smtClean="0"/>
-              <a:t>LUA</a:t>
-            </a:r>
-            <a:endParaRPr lang="zh-CN" altLang="en-US" dirty="0"/>
-          </a:p>
-        </p:txBody>
-      </p:sp>
-      <p:sp>
-        <p:nvSpPr>
-          <p:cNvPr id="3" name="内容占位符 2"/>
-          <p:cNvSpPr>
-            <a:spLocks noGrp="1"/>
-          </p:cNvSpPr>
-          <p:nvPr>
-            <p:ph idx="1"/>
-          </p:nvPr>
-        </p:nvSpPr>
-        <p:spPr/>
-        <p:txBody>
-          <a:bodyPr/>
-          <a:lstStyle/>
-          <a:p>
-            <a:r>
-              <a:rPr lang="en-US" altLang="zh-CN" dirty="0" smtClean="0"/>
-              <a:t>cry</a:t>
-            </a:r>
-            <a:r>
-              <a:rPr lang="zh-CN" altLang="en-US" dirty="0" smtClean="0"/>
-              <a:t>中</a:t>
-            </a:r>
-            <a:r>
-              <a:rPr lang="en-US" altLang="zh-CN" dirty="0" err="1" smtClean="0"/>
-              <a:t>lua</a:t>
-            </a:r>
-            <a:r>
-              <a:rPr lang="zh-CN" altLang="en-US" dirty="0" smtClean="0"/>
-              <a:t>的基本功能</a:t>
-            </a:r>
-            <a:endParaRPr lang="en-US" altLang="zh-CN" dirty="0" smtClean="0"/>
-          </a:p>
-          <a:p>
-            <a:r>
-              <a:rPr lang="zh-CN" altLang="en-US" dirty="0" smtClean="0"/>
-              <a:t>类型定义</a:t>
-            </a:r>
-            <a:endParaRPr lang="en-US" altLang="zh-CN" dirty="0" smtClean="0"/>
-          </a:p>
-          <a:p>
-            <a:r>
-              <a:rPr lang="zh-CN" altLang="en-US" dirty="0" smtClean="0"/>
-              <a:t>属性方法定义</a:t>
-            </a:r>
-            <a:endParaRPr lang="en-US" altLang="zh-CN" dirty="0" smtClean="0"/>
-          </a:p>
-          <a:p>
-            <a:r>
-              <a:rPr lang="en-US" altLang="zh-CN" dirty="0" smtClean="0"/>
-              <a:t>C++</a:t>
-            </a:r>
-            <a:r>
-              <a:rPr lang="zh-CN" altLang="en-US" dirty="0" smtClean="0"/>
-              <a:t>组件的组合者</a:t>
-            </a:r>
-          </a:p>
-          <a:p>
-            <a:r>
-              <a:rPr lang="zh-CN" altLang="en-US" dirty="0" smtClean="0"/>
-              <a:t>简单状态机</a:t>
-            </a:r>
-            <a:endParaRPr dirty="0"/>
-          </a:p>
-          <a:p>
-            <a:r>
-              <a:rPr lang="zh-CN" altLang="en-US" dirty="0" smtClean="0"/>
-              <a:t>事件响应(c++大量调用lua函数)</a:t>
-            </a:r>
-            <a:endParaRPr lang="en-US" altLang="zh-CN" dirty="0" smtClean="0"/>
-          </a:p>
-          <a:p>
-            <a:r>
-              <a:rPr lang="zh-CN" altLang="en-US" dirty="0" smtClean="0"/>
-              <a:t>作为数据使用，定义</a:t>
-            </a:r>
-            <a:r>
-              <a:rPr lang="en-US" altLang="zh-CN" dirty="0" err="1" smtClean="0"/>
-              <a:t>flowgraph</a:t>
-            </a:r>
-            <a:endParaRPr dirty="0"/>
-          </a:p>
-          <a:p>
-            <a:endParaRPr dirty="0"/>
-          </a:p>
-        </p:txBody>
-      </p:sp>
-    </p:spTree>
-  </p:cSld>
-  <p:clrMapOvr>
-    <a:masterClrMapping/>
-  </p:clrMapOvr>
-</p:sld>
-</file>
-
 <file path=ppt/slides/slide46.xml><?xml version="1.0" encoding="utf-8"?>
 <p:sld xmlns:a="http://schemas.openxmlformats.org/drawingml/2006/main" xmlns:r="http://schemas.openxmlformats.org/officeDocument/2006/relationships" xmlns:p="http://schemas.openxmlformats.org/presentationml/2006/main">
   <p:cSld>
@@ -9316,85 +9383,71 @@
           <a:lstStyle/>
           <a:p>
             <a:r>
-              <a:rPr lang="zh-CN" altLang="en-US" dirty="0" smtClean="0"/>
-              <a:t>工作流程，如何使用这个</a:t>
-            </a:r>
-            <a:r>
-              <a:rPr lang="en-US" altLang="zh-CN" dirty="0" smtClean="0"/>
-              <a:t>LUA</a:t>
-            </a:r>
-            <a:r>
-              <a:rPr lang="zh-CN" altLang="en-US" dirty="0" smtClean="0"/>
-              <a:t>文件？</a:t>
-            </a:r>
-            <a:endParaRPr lang="en-US" altLang="zh-CN" dirty="0" smtClean="0"/>
-          </a:p>
-          <a:p>
-            <a:r>
-              <a:rPr lang="en-US" altLang="zh-CN" dirty="0" smtClean="0"/>
-              <a:t>1.C++</a:t>
-            </a:r>
-            <a:r>
-              <a:rPr lang="zh-CN" altLang="en-US" dirty="0" smtClean="0"/>
-              <a:t>创建一个</a:t>
-            </a:r>
-            <a:r>
-              <a:rPr lang="en-US" altLang="zh-CN" dirty="0" smtClean="0"/>
-              <a:t>entity</a:t>
-            </a:r>
-            <a:r>
-              <a:rPr lang="zh-CN" altLang="en-US" dirty="0" smtClean="0"/>
-              <a:t>对象，初始化脚本模块</a:t>
-            </a:r>
-            <a:endParaRPr lang="en-US" altLang="zh-CN" dirty="0" smtClean="0"/>
-          </a:p>
-          <a:p>
-            <a:r>
-              <a:rPr lang="en-US" altLang="zh-CN" dirty="0" smtClean="0"/>
-              <a:t>2.Table</a:t>
-            </a:r>
-            <a:r>
-              <a:rPr lang="zh-CN" altLang="en-US" dirty="0" smtClean="0"/>
-              <a:t>的复制，存入</a:t>
-            </a:r>
-            <a:r>
-              <a:rPr lang="en-US" altLang="zh-CN" dirty="0" smtClean="0"/>
-              <a:t>id,</a:t>
-            </a:r>
-            <a:r>
-              <a:rPr lang="zh-CN" altLang="en-US" dirty="0" smtClean="0"/>
-              <a:t>形成对应关系</a:t>
-            </a:r>
-            <a:endParaRPr lang="en-US" altLang="zh-CN" dirty="0" smtClean="0"/>
-          </a:p>
-          <a:p>
-            <a:r>
-              <a:rPr lang="en-US" altLang="zh-CN" dirty="0" smtClean="0"/>
-              <a:t>3.lua</a:t>
-            </a:r>
-            <a:r>
-              <a:rPr lang="zh-CN" altLang="en-US" dirty="0" smtClean="0"/>
-              <a:t>回调的调用</a:t>
-            </a:r>
-            <a:endParaRPr lang="en-US" altLang="zh-CN" dirty="0" smtClean="0"/>
-          </a:p>
-          <a:p>
-            <a:r>
-              <a:rPr lang="en-US" altLang="zh-CN" dirty="0" smtClean="0"/>
-              <a:t>4.</a:t>
-            </a:r>
-            <a:r>
-              <a:rPr lang="zh-CN" altLang="en-US" dirty="0" smtClean="0"/>
-              <a:t>脚本逻辑初始化</a:t>
-            </a:r>
-            <a:r>
-              <a:rPr lang="en-US" altLang="zh-CN" dirty="0" smtClean="0"/>
-              <a:t>entity</a:t>
-            </a:r>
-            <a:endParaRPr lang="zh-CN" altLang="en-US" dirty="0" smtClean="0"/>
-          </a:p>
-          <a:p>
-            <a:endParaRPr lang="en-US" altLang="zh-CN" dirty="0" smtClean="0"/>
+              <a:rPr lang="en-US" altLang="zh-CN" dirty="0" smtClean="0"/>
+              <a:t>cry</a:t>
+            </a:r>
+            <a:r>
+              <a:rPr lang="zh-CN" altLang="en-US" dirty="0" smtClean="0"/>
+              <a:t>中</a:t>
+            </a:r>
+            <a:r>
+              <a:rPr lang="en-US" altLang="zh-CN" dirty="0" err="1" smtClean="0"/>
+              <a:t>lua</a:t>
+            </a:r>
+            <a:r>
+              <a:rPr lang="zh-CN" altLang="en-US" dirty="0" smtClean="0"/>
+              <a:t>的基本功能</a:t>
+            </a:r>
+            <a:endParaRPr lang="en-US" altLang="zh-CN" dirty="0" smtClean="0"/>
+          </a:p>
+          <a:p>
+            <a:r>
+              <a:rPr lang="zh-CN" altLang="en-US" dirty="0" smtClean="0"/>
+              <a:t>类型定义</a:t>
+            </a:r>
+            <a:endParaRPr lang="en-US" altLang="zh-CN" dirty="0" smtClean="0"/>
+          </a:p>
+          <a:p>
+            <a:r>
+              <a:rPr lang="zh-CN" altLang="en-US" dirty="0" smtClean="0"/>
+              <a:t>属性方法定义</a:t>
+            </a:r>
+            <a:endParaRPr lang="en-US" altLang="zh-CN" dirty="0" smtClean="0"/>
+          </a:p>
+          <a:p>
+            <a:r>
+              <a:rPr lang="en-US" altLang="zh-CN" dirty="0" smtClean="0"/>
+              <a:t>C++</a:t>
+            </a:r>
+            <a:r>
+              <a:rPr lang="zh-CN" altLang="en-US" dirty="0" smtClean="0"/>
+              <a:t>组件的组合者</a:t>
+            </a:r>
+          </a:p>
+          <a:p>
+            <a:r>
+              <a:rPr lang="zh-CN" altLang="en-US" dirty="0" smtClean="0"/>
+              <a:t>简单状态机</a:t>
+            </a:r>
+            <a:endParaRPr dirty="0"/>
+          </a:p>
+          <a:p>
+            <a:r>
+              <a:rPr lang="zh-CN" altLang="en-US" dirty="0" smtClean="0"/>
+              <a:t>事件响应(c++大量调用lua函数)</a:t>
+            </a:r>
+            <a:endParaRPr lang="en-US" altLang="zh-CN" dirty="0" smtClean="0"/>
+          </a:p>
+          <a:p>
+            <a:r>
+              <a:rPr lang="zh-CN" altLang="en-US" dirty="0" smtClean="0"/>
+              <a:t>作为数据使用，定义</a:t>
+            </a:r>
+            <a:r>
+              <a:rPr lang="en-US" altLang="zh-CN" dirty="0" err="1" smtClean="0"/>
+              <a:t>flowgraph</a:t>
+            </a:r>
+            <a:endParaRPr dirty="0"/>
           </a:p>
           <a:p>
             <a:endParaRPr dirty="0"/>
@@ -9473,36 +9526,82 @@
           <a:lstStyle/>
           <a:p>
             <a:r>
-              <a:rPr lang="en-US" altLang="zh-CN" dirty="0" smtClean="0"/>
-              <a:t>Table</a:t>
-            </a:r>
-            <a:r>
-              <a:rPr lang="zh-CN" altLang="en-US" dirty="0" smtClean="0"/>
-              <a:t>复制</a:t>
-            </a:r>
-            <a:endParaRPr lang="en-US" altLang="zh-CN" dirty="0" smtClean="0"/>
-          </a:p>
-          <a:p>
-            <a:r>
-              <a:rPr lang="zh-CN" altLang="en-US" dirty="0" smtClean="0"/>
-              <a:t>属性复制</a:t>
-            </a:r>
-            <a:endParaRPr lang="en-US" altLang="zh-CN" dirty="0" smtClean="0"/>
-          </a:p>
-          <a:p>
-            <a:r>
-              <a:rPr lang="zh-CN" altLang="en-US" dirty="0" smtClean="0"/>
-              <a:t>函数复制？</a:t>
-            </a:r>
-            <a:r>
-              <a:rPr lang="en-US" altLang="zh-CN" dirty="0" smtClean="0"/>
-              <a:t>No </a:t>
-            </a:r>
-            <a:r>
-              <a:rPr lang="zh-CN" altLang="en-US" dirty="0" smtClean="0"/>
-              <a:t>函数无法复制</a:t>
-            </a:r>
-            <a:endParaRPr lang="en-US" altLang="zh-CN" dirty="0" smtClean="0"/>
+              <a:rPr lang="zh-CN" altLang="en-US" dirty="0" smtClean="0"/>
+              <a:t>工作流程，如何使用这个</a:t>
+            </a:r>
+            <a:r>
+              <a:rPr lang="en-US" altLang="zh-CN" dirty="0" smtClean="0"/>
+              <a:t>LUA</a:t>
+            </a:r>
+            <a:r>
+              <a:rPr lang="zh-CN" altLang="en-US" dirty="0" smtClean="0"/>
+              <a:t>文件？</a:t>
+            </a:r>
+            <a:endParaRPr lang="en-US" altLang="zh-CN" dirty="0" smtClean="0"/>
+          </a:p>
+          <a:p>
+            <a:r>
+              <a:rPr lang="en-US" altLang="zh-CN" dirty="0" smtClean="0"/>
+              <a:t>1.C++</a:t>
+            </a:r>
+            <a:r>
+              <a:rPr lang="zh-CN" altLang="en-US" dirty="0" smtClean="0"/>
+              <a:t>创建一个</a:t>
+            </a:r>
+            <a:r>
+              <a:rPr lang="en-US" altLang="zh-CN" dirty="0" smtClean="0"/>
+              <a:t>entity</a:t>
+            </a:r>
+            <a:r>
+              <a:rPr lang="zh-CN" altLang="en-US" dirty="0" smtClean="0"/>
+              <a:t>对象，初始化脚本模块</a:t>
+            </a:r>
+            <a:endParaRPr lang="en-US" altLang="zh-CN" dirty="0" smtClean="0"/>
+          </a:p>
+          <a:p>
+            <a:r>
+              <a:rPr lang="en-US" altLang="zh-CN" dirty="0" smtClean="0"/>
+              <a:t>2.Table</a:t>
+            </a:r>
+            <a:r>
+              <a:rPr lang="zh-CN" altLang="en-US" dirty="0" smtClean="0"/>
+              <a:t>的复制，存入</a:t>
+            </a:r>
+            <a:r>
+              <a:rPr lang="en-US" altLang="zh-CN" dirty="0" smtClean="0"/>
+              <a:t>id,</a:t>
+            </a:r>
+            <a:r>
+              <a:rPr lang="zh-CN" altLang="en-US" dirty="0" smtClean="0"/>
+              <a:t>形成对应关系</a:t>
+            </a:r>
+            <a:endParaRPr lang="en-US" altLang="zh-CN" dirty="0" smtClean="0"/>
+          </a:p>
+          <a:p>
+            <a:r>
+              <a:rPr lang="en-US" altLang="zh-CN" dirty="0" smtClean="0"/>
+              <a:t>3.lua</a:t>
+            </a:r>
+            <a:r>
+              <a:rPr lang="zh-CN" altLang="en-US" dirty="0" smtClean="0"/>
+              <a:t>回调的调用</a:t>
+            </a:r>
+            <a:endParaRPr lang="en-US" altLang="zh-CN" dirty="0" smtClean="0"/>
+          </a:p>
+          <a:p>
+            <a:r>
+              <a:rPr lang="en-US" altLang="zh-CN" dirty="0" smtClean="0"/>
+              <a:t>4.</a:t>
+            </a:r>
+            <a:r>
+              <a:rPr lang="zh-CN" altLang="en-US" dirty="0" smtClean="0"/>
+              <a:t>脚本逻辑初始化</a:t>
+            </a:r>
+            <a:r>
+              <a:rPr lang="en-US" altLang="zh-CN" dirty="0" smtClean="0"/>
+              <a:t>entity</a:t>
+            </a:r>
+            <a:endParaRPr lang="zh-CN" altLang="en-US" dirty="0" smtClean="0"/>
           </a:p>
           <a:p>
             <a:endParaRPr lang="en-US" altLang="zh-CN" dirty="0" smtClean="0"/>
@@ -9521,6 +9620,117 @@
 </file>
 
 <file path=ppt/slides/slide48.xml><?xml version="1.0" encoding="utf-8"?>
+<p:sld xmlns:a="http://schemas.openxmlformats.org/drawingml/2006/main" xmlns:r="http://schemas.openxmlformats.org/officeDocument/2006/relationships" xmlns:p="http://schemas.openxmlformats.org/presentationml/2006/main">
+  <p:cSld>
+    <p:spTree>
+      <p:nvGrpSpPr>
+        <p:cNvPr id="1" name=""/>
+        <p:cNvGrpSpPr/>
+        <p:nvPr/>
+      </p:nvGrpSpPr>
+      <p:grpSpPr>
+        <a:xfrm>
+          <a:off x="0" y="0"/>
+          <a:ext cx="0" cy="0"/>
+          <a:chOff x="0" y="0"/>
+          <a:chExt cx="0" cy="0"/>
+        </a:xfrm>
+      </p:grpSpPr>
+      <p:sp>
+        <p:nvSpPr>
+          <p:cNvPr id="2" name="标题 1"/>
+          <p:cNvSpPr>
+            <a:spLocks noGrp="1"/>
+          </p:cNvSpPr>
+          <p:nvPr>
+            <p:ph type="title"/>
+          </p:nvPr>
+        </p:nvSpPr>
+        <p:spPr/>
+        <p:txBody>
+          <a:bodyPr/>
+          <a:lstStyle/>
+          <a:p>
+            <a:r>
+              <a:rPr lang="en-US" altLang="zh-CN" dirty="0" smtClean="0"/>
+              <a:t>CryEngine3</a:t>
+            </a:r>
+            <a:r>
+              <a:rPr lang="zh-CN" altLang="en-US" dirty="0" smtClean="0"/>
+              <a:t>的</a:t>
+            </a:r>
+            <a:r>
+              <a:rPr lang="en-US" altLang="zh-CN" dirty="0" smtClean="0"/>
+              <a:t>LUA</a:t>
+            </a:r>
+            <a:endParaRPr lang="zh-CN" altLang="en-US" dirty="0"/>
+          </a:p>
+        </p:txBody>
+      </p:sp>
+      <p:sp>
+        <p:nvSpPr>
+          <p:cNvPr id="3" name="内容占位符 2"/>
+          <p:cNvSpPr>
+            <a:spLocks noGrp="1"/>
+          </p:cNvSpPr>
+          <p:nvPr>
+            <p:ph idx="1"/>
+          </p:nvPr>
+        </p:nvSpPr>
+        <p:spPr/>
+        <p:txBody>
+          <a:bodyPr/>
+          <a:lstStyle/>
+          <a:p>
+            <a:r>
+              <a:rPr lang="en-US" altLang="zh-CN" dirty="0" smtClean="0"/>
+              <a:t>Table</a:t>
+            </a:r>
+            <a:r>
+              <a:rPr lang="zh-CN" altLang="en-US" dirty="0" smtClean="0"/>
+              <a:t>复制</a:t>
+            </a:r>
+            <a:endParaRPr lang="en-US" altLang="zh-CN" dirty="0" smtClean="0"/>
+          </a:p>
+          <a:p>
+            <a:r>
+              <a:rPr lang="zh-CN" altLang="en-US" dirty="0" smtClean="0"/>
+              <a:t>属性复制</a:t>
+            </a:r>
+            <a:endParaRPr lang="en-US" altLang="zh-CN" dirty="0" smtClean="0"/>
+          </a:p>
+          <a:p>
+            <a:r>
+              <a:rPr lang="zh-CN" altLang="en-US" dirty="0" smtClean="0"/>
+              <a:t>函数复制？</a:t>
+            </a:r>
+            <a:r>
+              <a:rPr lang="en-US" altLang="zh-CN" dirty="0" smtClean="0"/>
+              <a:t>No </a:t>
+            </a:r>
+            <a:r>
+              <a:rPr lang="zh-CN" altLang="en-US" dirty="0" smtClean="0"/>
+              <a:t>函数无法复制</a:t>
+            </a:r>
+            <a:endParaRPr lang="en-US" altLang="zh-CN" dirty="0" smtClean="0"/>
+          </a:p>
+          <a:p>
+            <a:endParaRPr lang="en-US" altLang="zh-CN" dirty="0" smtClean="0"/>
+          </a:p>
+          <a:p>
+            <a:endParaRPr dirty="0"/>
+          </a:p>
+        </p:txBody>
+      </p:sp>
+    </p:spTree>
+  </p:cSld>
+  <p:clrMapOvr>
+    <a:masterClrMapping/>
+  </p:clrMapOvr>
+</p:sld>
+</file>
+
+<file path=ppt/slides/slide49.xml><?xml version="1.0" encoding="utf-8"?>
 <p:sld xmlns:a="http://schemas.openxmlformats.org/drawingml/2006/main" xmlns:r="http://schemas.openxmlformats.org/officeDocument/2006/relationships" xmlns:p="http://schemas.openxmlformats.org/presentationml/2006/main">
   <p:cSld>
     <p:spTree>

--- a/Doc/lua1.pptx
+++ b/Doc/lua1.pptx
@@ -337,7 +337,7 @@
             <a:fld id="{530820CF-B880-4189-942D-D702A7CBA730}" type="datetimeFigureOut">
               <a:rPr lang="zh-CN" altLang="en-US" smtClean="0"/>
               <a:pPr/>
-              <a:t>2014/8/25</a:t>
+              <a:t>2014/8/26</a:t>
             </a:fld>
             <a:endParaRPr lang="zh-CN" altLang="en-US"/>
           </a:p>
@@ -504,7 +504,7 @@
             <a:fld id="{530820CF-B880-4189-942D-D702A7CBA730}" type="datetimeFigureOut">
               <a:rPr lang="zh-CN" altLang="en-US" smtClean="0"/>
               <a:pPr/>
-              <a:t>2014/8/25</a:t>
+              <a:t>2014/8/26</a:t>
             </a:fld>
             <a:endParaRPr lang="zh-CN" altLang="en-US"/>
           </a:p>
@@ -681,7 +681,7 @@
             <a:fld id="{530820CF-B880-4189-942D-D702A7CBA730}" type="datetimeFigureOut">
               <a:rPr lang="zh-CN" altLang="en-US" smtClean="0"/>
               <a:pPr/>
-              <a:t>2014/8/25</a:t>
+              <a:t>2014/8/26</a:t>
             </a:fld>
             <a:endParaRPr lang="zh-CN" altLang="en-US"/>
           </a:p>
@@ -848,7 +848,7 @@
             <a:fld id="{530820CF-B880-4189-942D-D702A7CBA730}" type="datetimeFigureOut">
               <a:rPr lang="zh-CN" altLang="en-US" smtClean="0"/>
               <a:pPr/>
-              <a:t>2014/8/25</a:t>
+              <a:t>2014/8/26</a:t>
             </a:fld>
             <a:endParaRPr lang="zh-CN" altLang="en-US"/>
           </a:p>
@@ -1091,7 +1091,7 @@
             <a:fld id="{530820CF-B880-4189-942D-D702A7CBA730}" type="datetimeFigureOut">
               <a:rPr lang="zh-CN" altLang="en-US" smtClean="0"/>
               <a:pPr/>
-              <a:t>2014/8/25</a:t>
+              <a:t>2014/8/26</a:t>
             </a:fld>
             <a:endParaRPr lang="zh-CN" altLang="en-US"/>
           </a:p>
@@ -1376,7 +1376,7 @@
             <a:fld id="{530820CF-B880-4189-942D-D702A7CBA730}" type="datetimeFigureOut">
               <a:rPr lang="zh-CN" altLang="en-US" smtClean="0"/>
               <a:pPr/>
-              <a:t>2014/8/25</a:t>
+              <a:t>2014/8/26</a:t>
             </a:fld>
             <a:endParaRPr lang="zh-CN" altLang="en-US"/>
           </a:p>
@@ -1795,7 +1795,7 @@
             <a:fld id="{530820CF-B880-4189-942D-D702A7CBA730}" type="datetimeFigureOut">
               <a:rPr lang="zh-CN" altLang="en-US" smtClean="0"/>
               <a:pPr/>
-              <a:t>2014/8/25</a:t>
+              <a:t>2014/8/26</a:t>
             </a:fld>
             <a:endParaRPr lang="zh-CN" altLang="en-US"/>
           </a:p>
@@ -1910,7 +1910,7 @@
             <a:fld id="{530820CF-B880-4189-942D-D702A7CBA730}" type="datetimeFigureOut">
               <a:rPr lang="zh-CN" altLang="en-US" smtClean="0"/>
               <a:pPr/>
-              <a:t>2014/8/25</a:t>
+              <a:t>2014/8/26</a:t>
             </a:fld>
             <a:endParaRPr lang="zh-CN" altLang="en-US"/>
           </a:p>
@@ -2002,7 +2002,7 @@
             <a:fld id="{530820CF-B880-4189-942D-D702A7CBA730}" type="datetimeFigureOut">
               <a:rPr lang="zh-CN" altLang="en-US" smtClean="0"/>
               <a:pPr/>
-              <a:t>2014/8/25</a:t>
+              <a:t>2014/8/26</a:t>
             </a:fld>
             <a:endParaRPr lang="zh-CN" altLang="en-US"/>
           </a:p>
@@ -2276,7 +2276,7 @@
             <a:fld id="{530820CF-B880-4189-942D-D702A7CBA730}" type="datetimeFigureOut">
               <a:rPr lang="zh-CN" altLang="en-US" smtClean="0"/>
               <a:pPr/>
-              <a:t>2014/8/25</a:t>
+              <a:t>2014/8/26</a:t>
             </a:fld>
             <a:endParaRPr lang="zh-CN" altLang="en-US"/>
           </a:p>
@@ -2526,7 +2526,7 @@
             <a:fld id="{530820CF-B880-4189-942D-D702A7CBA730}" type="datetimeFigureOut">
               <a:rPr lang="zh-CN" altLang="en-US" smtClean="0"/>
               <a:pPr/>
-              <a:t>2014/8/25</a:t>
+              <a:t>2014/8/26</a:t>
             </a:fld>
             <a:endParaRPr lang="zh-CN" altLang="en-US"/>
           </a:p>
@@ -2736,7 +2736,7 @@
             <a:fld id="{530820CF-B880-4189-942D-D702A7CBA730}" type="datetimeFigureOut">
               <a:rPr lang="zh-CN" altLang="en-US" smtClean="0"/>
               <a:pPr/>
-              <a:t>2014/8/25</a:t>
+              <a:t>2014/8/26</a:t>
             </a:fld>
             <a:endParaRPr lang="zh-CN" altLang="en-US"/>
           </a:p>
@@ -7746,11 +7746,7 @@
             </a:r>
             <a:r>
               <a:rPr lang="en-US" altLang="zh-CN" dirty="0" smtClean="0"/>
-              <a:t>(ob);  </a:t>
-            </a:r>
-            <a:r>
-              <a:rPr lang="en-US" altLang="zh-CN" dirty="0" smtClean="0"/>
-              <a:t>//</a:t>
+              <a:t>(ob);  //</a:t>
             </a:r>
             <a:r>
               <a:rPr lang="zh-CN" altLang="en-US" dirty="0" smtClean="0"/>
@@ -7780,11 +7776,7 @@
             </a:r>
             <a:r>
               <a:rPr lang="en-US" altLang="zh-CN" dirty="0" smtClean="0"/>
-              <a:t>);   </a:t>
-            </a:r>
-            <a:r>
-              <a:rPr lang="en-US" altLang="zh-CN" dirty="0" smtClean="0"/>
-              <a:t>//</a:t>
+              <a:t>);   //</a:t>
             </a:r>
             <a:r>
               <a:rPr lang="zh-CN" altLang="en-US" dirty="0" smtClean="0"/>
@@ -7969,7 +7961,6 @@
               <a:rPr lang="en-US" altLang="zh-CN" dirty="0" smtClean="0"/>
               <a:t>p</a:t>
             </a:r>
-            <a:endParaRPr lang="en-US" altLang="zh-CN" dirty="0" smtClean="0"/>
           </a:p>
           <a:p>
             <a:pPr>
@@ -7977,11 +7968,7 @@
             </a:pPr>
             <a:r>
               <a:rPr lang="en-US" altLang="zh-CN" dirty="0" smtClean="0"/>
-              <a:t>		//(A*)</a:t>
-            </a:r>
-            <a:r>
-              <a:rPr lang="en-US" altLang="zh-CN" dirty="0" smtClean="0"/>
-              <a:t>p</a:t>
+              <a:t>		//(A*)p</a:t>
             </a:r>
             <a:r>
               <a:rPr lang="zh-CN" altLang="en-US" dirty="0" smtClean="0"/>
@@ -8294,15 +8281,7 @@
             </a:r>
             <a:r>
               <a:rPr lang="en-US" altLang="zh-CN" dirty="0" smtClean="0"/>
-              <a:t>(L</a:t>
-            </a:r>
-            <a:r>
-              <a:rPr lang="en-US" altLang="zh-CN" dirty="0" smtClean="0"/>
-              <a:t>, </a:t>
-            </a:r>
-            <a:r>
-              <a:rPr lang="en-US" altLang="zh-CN" dirty="0" smtClean="0"/>
-              <a:t>LUA_REGISTRYINDEX)</a:t>
+              <a:t>(L, LUA_REGISTRYINDEX)</a:t>
             </a:r>
           </a:p>
           <a:p>
@@ -8359,7 +8338,6 @@
               <a:rPr lang="en-US" altLang="zh-CN" dirty="0" smtClean="0"/>
               <a:t>key</a:t>
             </a:r>
-            <a:endParaRPr lang="en-US" altLang="zh-CN" dirty="0" smtClean="0"/>
           </a:p>
           <a:p>
             <a:pPr>
@@ -9710,7 +9688,40 @@
             </a:r>
             <a:r>
               <a:rPr lang="zh-CN" altLang="en-US" dirty="0" smtClean="0"/>
-              <a:t>函数无法复制</a:t>
+              <a:t>函数无法</a:t>
+            </a:r>
+            <a:r>
+              <a:rPr lang="zh-CN" altLang="en-US" dirty="0" smtClean="0"/>
+              <a:t>复制</a:t>
+            </a:r>
+            <a:endParaRPr lang="en-US" altLang="zh-CN" dirty="0" smtClean="0"/>
+          </a:p>
+          <a:p>
+            <a:r>
+              <a:rPr lang="zh-CN" altLang="en-US" dirty="0" smtClean="0"/>
+              <a:t>重复逻辑解决</a:t>
+            </a:r>
+            <a:endParaRPr lang="en-US" altLang="zh-CN" dirty="0" smtClean="0"/>
+          </a:p>
+          <a:p>
+            <a:r>
+              <a:rPr lang="en-US" altLang="zh-CN" dirty="0" smtClean="0"/>
+              <a:t>Archetype</a:t>
+            </a:r>
+            <a:r>
+              <a:rPr lang="zh-CN" altLang="en-US" dirty="0" smtClean="0"/>
+              <a:t>序列化反序列化</a:t>
+            </a:r>
+            <a:endParaRPr lang="en-US" altLang="zh-CN" dirty="0" smtClean="0"/>
+          </a:p>
+          <a:p>
+            <a:r>
+              <a:rPr lang="zh-CN" altLang="en-US" dirty="0" smtClean="0"/>
+              <a:t>回</a:t>
+            </a:r>
+            <a:r>
+              <a:rPr lang="zh-CN" altLang="en-US" dirty="0" smtClean="0"/>
+              <a:t>调函数管理</a:t>
             </a:r>
             <a:endParaRPr lang="en-US" altLang="zh-CN" dirty="0" smtClean="0"/>
           </a:p>

--- a/Doc/lua1.pptx
+++ b/Doc/lua1.pptx
@@ -2335,7 +2335,7 @@
     </p:spTree>
     <p:extLst>
       <p:ext uri="{BB962C8B-B14F-4D97-AF65-F5344CB8AC3E}">
-        <p14:creationId xmlns:p14="http://schemas.microsoft.com/office/powerpoint/2010/main" xmlns="" val="3561346654"/>
+        <p14:creationId xmlns="" xmlns:p14="http://schemas.microsoft.com/office/powerpoint/2010/main" val="3561346654"/>
       </p:ext>
     </p:extLst>
   </p:cSld>
@@ -2549,7 +2549,7 @@
     </p:spTree>
     <p:extLst>
       <p:ext uri="{BB962C8B-B14F-4D97-AF65-F5344CB8AC3E}">
-        <p14:creationId xmlns:p14="http://schemas.microsoft.com/office/powerpoint/2010/main" xmlns="" val="1165993833"/>
+        <p14:creationId xmlns="" xmlns:p14="http://schemas.microsoft.com/office/powerpoint/2010/main" val="1165993833"/>
       </p:ext>
     </p:extLst>
   </p:cSld>
@@ -2804,7 +2804,7 @@
     </p:spTree>
     <p:extLst>
       <p:ext uri="{BB962C8B-B14F-4D97-AF65-F5344CB8AC3E}">
-        <p14:creationId xmlns:p14="http://schemas.microsoft.com/office/powerpoint/2010/main" xmlns="" val="2393618693"/>
+        <p14:creationId xmlns="" xmlns:p14="http://schemas.microsoft.com/office/powerpoint/2010/main" val="2393618693"/>
       </p:ext>
     </p:extLst>
   </p:cSld>
@@ -3101,7 +3101,7 @@
     </p:spTree>
     <p:extLst>
       <p:ext uri="{BB962C8B-B14F-4D97-AF65-F5344CB8AC3E}">
-        <p14:creationId xmlns:p14="http://schemas.microsoft.com/office/powerpoint/2010/main" xmlns="" val="642387211"/>
+        <p14:creationId xmlns="" xmlns:p14="http://schemas.microsoft.com/office/powerpoint/2010/main" val="642387211"/>
       </p:ext>
     </p:extLst>
   </p:cSld>
@@ -3532,7 +3532,7 @@
     </p:spTree>
     <p:extLst>
       <p:ext uri="{BB962C8B-B14F-4D97-AF65-F5344CB8AC3E}">
-        <p14:creationId xmlns:p14="http://schemas.microsoft.com/office/powerpoint/2010/main" xmlns="" val="569522172"/>
+        <p14:creationId xmlns="" xmlns:p14="http://schemas.microsoft.com/office/powerpoint/2010/main" val="569522172"/>
       </p:ext>
     </p:extLst>
   </p:cSld>
@@ -3652,7 +3652,7 @@
     </p:spTree>
     <p:extLst>
       <p:ext uri="{BB962C8B-B14F-4D97-AF65-F5344CB8AC3E}">
-        <p14:creationId xmlns:p14="http://schemas.microsoft.com/office/powerpoint/2010/main" xmlns="" val="2271466091"/>
+        <p14:creationId xmlns="" xmlns:p14="http://schemas.microsoft.com/office/powerpoint/2010/main" val="2271466091"/>
       </p:ext>
     </p:extLst>
   </p:cSld>
@@ -3749,7 +3749,7 @@
     </p:spTree>
     <p:extLst>
       <p:ext uri="{BB962C8B-B14F-4D97-AF65-F5344CB8AC3E}">
-        <p14:creationId xmlns:p14="http://schemas.microsoft.com/office/powerpoint/2010/main" xmlns="" val="2299628970"/>
+        <p14:creationId xmlns="" xmlns:p14="http://schemas.microsoft.com/office/powerpoint/2010/main" val="2299628970"/>
       </p:ext>
     </p:extLst>
   </p:cSld>
@@ -4035,7 +4035,7 @@
     </p:spTree>
     <p:extLst>
       <p:ext uri="{BB962C8B-B14F-4D97-AF65-F5344CB8AC3E}">
-        <p14:creationId xmlns:p14="http://schemas.microsoft.com/office/powerpoint/2010/main" xmlns="" val="4152868749"/>
+        <p14:creationId xmlns="" xmlns:p14="http://schemas.microsoft.com/office/powerpoint/2010/main" val="4152868749"/>
       </p:ext>
     </p:extLst>
   </p:cSld>
@@ -4461,7 +4461,7 @@
     </p:spTree>
     <p:extLst>
       <p:ext uri="{BB962C8B-B14F-4D97-AF65-F5344CB8AC3E}">
-        <p14:creationId xmlns:p14="http://schemas.microsoft.com/office/powerpoint/2010/main" xmlns="" val="3175894245"/>
+        <p14:creationId xmlns="" xmlns:p14="http://schemas.microsoft.com/office/powerpoint/2010/main" val="3175894245"/>
       </p:ext>
     </p:extLst>
   </p:cSld>
@@ -4633,7 +4633,7 @@
     </p:spTree>
     <p:extLst>
       <p:ext uri="{BB962C8B-B14F-4D97-AF65-F5344CB8AC3E}">
-        <p14:creationId xmlns:p14="http://schemas.microsoft.com/office/powerpoint/2010/main" xmlns="" val="4120271316"/>
+        <p14:creationId xmlns="" xmlns:p14="http://schemas.microsoft.com/office/powerpoint/2010/main" val="4120271316"/>
       </p:ext>
     </p:extLst>
   </p:cSld>
@@ -4815,7 +4815,7 @@
     </p:spTree>
     <p:extLst>
       <p:ext uri="{BB962C8B-B14F-4D97-AF65-F5344CB8AC3E}">
-        <p14:creationId xmlns:p14="http://schemas.microsoft.com/office/powerpoint/2010/main" xmlns="" val="2893309734"/>
+        <p14:creationId xmlns="" xmlns:p14="http://schemas.microsoft.com/office/powerpoint/2010/main" val="2893309734"/>
       </p:ext>
     </p:extLst>
   </p:cSld>
@@ -7384,7 +7384,7 @@
     </p:spTree>
     <p:extLst>
       <p:ext uri="{BB962C8B-B14F-4D97-AF65-F5344CB8AC3E}">
-        <p14:creationId xmlns:p14="http://schemas.microsoft.com/office/powerpoint/2010/main" xmlns="" val="1564018288"/>
+        <p14:creationId xmlns="" xmlns:p14="http://schemas.microsoft.com/office/powerpoint/2010/main" val="1564018288"/>
       </p:ext>
     </p:extLst>
   </p:cSld>
@@ -7903,15 +7903,7 @@
             </a:r>
             <a:r>
               <a:rPr lang="en-US" altLang="zh-CN" dirty="0" err="1" smtClean="0"/>
-              <a:t>a</a:t>
-            </a:r>
-            <a:r>
-              <a:rPr lang="en-US" altLang="zh-CN" dirty="0" err="1" smtClean="0"/>
-              <a:t>,</a:t>
-            </a:r>
-            <a:r>
-              <a:rPr lang="en-US" altLang="zh-CN" dirty="0" err="1" smtClean="0"/>
-              <a:t>b</a:t>
+              <a:t>a,b</a:t>
             </a:r>
             <a:r>
               <a:rPr lang="en-US" altLang="zh-CN" dirty="0" smtClean="0"/>
@@ -8305,15 +8297,7 @@
             </a:r>
             <a:r>
               <a:rPr lang="zh-CN" altLang="en-US" dirty="0" smtClean="0"/>
-              <a:t>的栈用的是全局栈，所以一定要做好相关的清理工作，即使不做错误处理，也要把错误提示字符串出</a:t>
-            </a:r>
-            <a:r>
-              <a:rPr lang="zh-CN" altLang="en-US" dirty="0" smtClean="0"/>
-              <a:t>栈</a:t>
-            </a:r>
-            <a:r>
-              <a:rPr lang="zh-CN" altLang="en-US" dirty="0" smtClean="0"/>
-              <a:t>以及</a:t>
+              <a:t>的栈用的是全局栈，所以一定要做好相关的清理工作，即使不做错误处理，也要把错误提示字符串出栈以及</a:t>
             </a:r>
             <a:r>
               <a:rPr lang="en-US" altLang="zh-CN" dirty="0" err="1" smtClean="0"/>
@@ -8472,15 +8456,7 @@
             </a:pPr>
             <a:r>
               <a:rPr lang="en-US" dirty="0" smtClean="0"/>
-              <a:t>		</a:t>
-            </a:r>
-            <a:r>
-              <a:rPr lang="en-US" dirty="0" smtClean="0"/>
-              <a:t>  double </a:t>
-            </a:r>
-            <a:r>
-              <a:rPr lang="en-US" dirty="0" smtClean="0"/>
-              <a:t>op2 = </a:t>
+              <a:t>		  double op2 = </a:t>
             </a:r>
             <a:r>
               <a:rPr lang="en-US" dirty="0" err="1" smtClean="0"/>
@@ -8488,11 +8464,7 @@
             </a:r>
             <a:r>
               <a:rPr lang="en-US" dirty="0" smtClean="0"/>
-              <a:t> (L,2);                 	</a:t>
-            </a:r>
-            <a:r>
-              <a:rPr lang="en-US" dirty="0" smtClean="0"/>
-              <a:t>  </a:t>
+              <a:t> (L,2);                 	  </a:t>
             </a:r>
             <a:r>
               <a:rPr lang="en-US" dirty="0" err="1" smtClean="0"/>
@@ -8500,11 +8472,7 @@
             </a:r>
             <a:r>
               <a:rPr lang="en-US" dirty="0" smtClean="0"/>
-              <a:t>(L,op1 </a:t>
-            </a:r>
-            <a:r>
-              <a:rPr lang="en-US" dirty="0" smtClean="0"/>
-              <a:t>- op2); </a:t>
+              <a:t>(L,op1 - op2); </a:t>
             </a:r>
           </a:p>
           <a:p>
@@ -9263,11 +9231,7 @@
             <a:pPr lvl="1"/>
             <a:r>
               <a:rPr lang="zh-CN" altLang="en-US" dirty="0" smtClean="0"/>
-              <a:t>回</a:t>
-            </a:r>
-            <a:r>
-              <a:rPr lang="zh-CN" altLang="en-US" dirty="0" smtClean="0"/>
-              <a:t>调管理</a:t>
+              <a:t>回调管理</a:t>
             </a:r>
             <a:endParaRPr lang="en-US" altLang="zh-CN" dirty="0" smtClean="0"/>
           </a:p>
@@ -9360,11 +9324,7 @@
           <a:p>
             <a:r>
               <a:rPr lang="zh-CN" altLang="en-US" dirty="0" smtClean="0"/>
-              <a:t>元</a:t>
-            </a:r>
-            <a:r>
-              <a:rPr lang="zh-CN" altLang="en-US" dirty="0" smtClean="0"/>
-              <a:t>表，面向对象功能的基础</a:t>
+              <a:t>元表，面向对象功能的基础</a:t>
             </a:r>
             <a:endParaRPr lang="en-US" altLang="zh-CN" dirty="0" smtClean="0"/>
           </a:p>
@@ -9812,7 +9772,6 @@
               <a:rPr lang="en-US" altLang="zh-CN" dirty="0" smtClean="0"/>
               <a:t>();        </a:t>
             </a:r>
-            <a:endParaRPr lang="en-US" altLang="zh-CN" dirty="0" smtClean="0"/>
           </a:p>
           <a:p>
             <a:pPr>
@@ -11281,23 +11240,7 @@
           <a:p>
             <a:r>
               <a:rPr lang="zh-CN" altLang="en-US" dirty="0" smtClean="0"/>
-              <a:t>不</a:t>
-            </a:r>
-            <a:r>
-              <a:rPr lang="zh-CN" altLang="en-US" dirty="0" smtClean="0"/>
-              <a:t>能</a:t>
-            </a:r>
-            <a:r>
-              <a:rPr lang="zh-CN" altLang="en-US" dirty="0" smtClean="0"/>
-              <a:t>把</a:t>
-            </a:r>
-            <a:r>
-              <a:rPr lang="zh-CN" altLang="en-US" dirty="0" smtClean="0"/>
-              <a:t>指针</a:t>
-            </a:r>
-            <a:r>
-              <a:rPr lang="zh-CN" altLang="en-US" dirty="0" smtClean="0"/>
-              <a:t>传入</a:t>
+              <a:t>不能把指针传入</a:t>
             </a:r>
             <a:r>
               <a:rPr lang="en-US" altLang="zh-CN" dirty="0" smtClean="0"/>
@@ -11313,27 +11256,7 @@
             </a:r>
             <a:r>
               <a:rPr lang="zh-CN" altLang="en-US" dirty="0" smtClean="0"/>
-              <a:t>返回做</a:t>
-            </a:r>
-            <a:r>
-              <a:rPr lang="zh-CN" altLang="en-US" dirty="0" smtClean="0"/>
-              <a:t>参数</a:t>
-            </a:r>
-            <a:r>
-              <a:rPr lang="zh-CN" altLang="en-US" dirty="0" smtClean="0"/>
-              <a:t>的</a:t>
-            </a:r>
-            <a:r>
-              <a:rPr lang="zh-CN" altLang="en-US" dirty="0" smtClean="0"/>
-              <a:t>指针</a:t>
-            </a:r>
-            <a:r>
-              <a:rPr lang="zh-CN" altLang="en-US" dirty="0" smtClean="0"/>
-              <a:t>，</a:t>
-            </a:r>
-            <a:r>
-              <a:rPr lang="zh-CN" altLang="en-US" dirty="0" smtClean="0"/>
-              <a:t>无法验证该指针的有效性！</a:t>
+              <a:t>返回做参数的指针，无法验证该指针的有效性！</a:t>
             </a:r>
             <a:endParaRPr lang="en-US" altLang="zh-CN" dirty="0" smtClean="0"/>
           </a:p>
@@ -11514,11 +11437,7 @@
             </a:pPr>
             <a:r>
               <a:rPr lang="en-US" altLang="zh-CN" dirty="0" smtClean="0"/>
-              <a:t>		</a:t>
-            </a:r>
-            <a:r>
-              <a:rPr lang="en-US" altLang="zh-CN" dirty="0" smtClean="0"/>
-              <a:t>//</a:t>
+              <a:t>		//</a:t>
             </a:r>
             <a:r>
               <a:rPr lang="zh-CN" altLang="en-US" dirty="0" smtClean="0"/>
@@ -11618,11 +11537,7 @@
             </a:r>
             <a:r>
               <a:rPr lang="zh-CN" altLang="en-US" dirty="0" smtClean="0"/>
-              <a:t>代码</a:t>
-            </a:r>
-            <a:r>
-              <a:rPr lang="zh-CN" altLang="en-US" dirty="0" smtClean="0"/>
-              <a:t>中使用</a:t>
+              <a:t>代码中使用</a:t>
             </a:r>
             <a:endParaRPr lang="en-US" altLang="zh-CN" dirty="0" smtClean="0"/>
           </a:p>
@@ -11779,11 +11694,7 @@
             </a:r>
             <a:r>
               <a:rPr lang="zh-CN" altLang="en-US" dirty="0" smtClean="0"/>
-              <a:t>，</a:t>
-            </a:r>
-            <a:r>
-              <a:rPr lang="zh-CN" altLang="en-US" dirty="0" smtClean="0"/>
-              <a:t>得到</a:t>
+              <a:t>，得到</a:t>
             </a:r>
             <a:r>
               <a:rPr lang="en-US" altLang="zh-CN" dirty="0" smtClean="0"/>
@@ -11804,11 +11715,7 @@
             </a:pPr>
             <a:r>
               <a:rPr lang="en-US" altLang="zh-CN" dirty="0" smtClean="0"/>
-              <a:t>		</a:t>
-            </a:r>
-            <a:r>
-              <a:rPr lang="en-US" altLang="zh-CN" dirty="0" smtClean="0"/>
-              <a:t>//</a:t>
+              <a:t>		//</a:t>
             </a:r>
             <a:r>
               <a:rPr lang="en-US" altLang="zh-CN" dirty="0" err="1" smtClean="0"/>
@@ -11964,11 +11871,7 @@
           <a:p>
             <a:r>
               <a:rPr lang="zh-CN" altLang="en-US" dirty="0" smtClean="0"/>
-              <a:t>后者跟特定系统绑定，人工痕迹</a:t>
-            </a:r>
-            <a:r>
-              <a:rPr lang="zh-CN" altLang="en-US" dirty="0" smtClean="0"/>
-              <a:t>较重</a:t>
+              <a:t>后者跟特定系统绑定，人工痕迹较重</a:t>
             </a:r>
           </a:p>
         </p:txBody>
@@ -12153,7 +12056,6 @@
               <a:rPr lang="en-US" altLang="zh-CN" dirty="0" smtClean="0"/>
               <a:t>entity</a:t>
             </a:r>
-            <a:endParaRPr lang="en-US" altLang="zh-CN" dirty="0" smtClean="0"/>
           </a:p>
         </p:txBody>
       </p:sp>

--- a/Doc/lua1.pptx
+++ b/Doc/lua1.pptx
@@ -6,7 +6,7 @@
     <p:sldMasterId id="2147483685" r:id="rId2"/>
   </p:sldMasterIdLst>
   <p:notesMasterIdLst>
-    <p:notesMasterId r:id="rId45"/>
+    <p:notesMasterId r:id="rId47"/>
   </p:notesMasterIdLst>
   <p:sldIdLst>
     <p:sldId id="256" r:id="rId3"/>
@@ -48,9 +48,11 @@
     <p:sldId id="327" r:id="rId39"/>
     <p:sldId id="269" r:id="rId40"/>
     <p:sldId id="328" r:id="rId41"/>
-    <p:sldId id="276" r:id="rId42"/>
-    <p:sldId id="310" r:id="rId43"/>
-    <p:sldId id="321" r:id="rId44"/>
+    <p:sldId id="333" r:id="rId42"/>
+    <p:sldId id="276" r:id="rId43"/>
+    <p:sldId id="332" r:id="rId44"/>
+    <p:sldId id="310" r:id="rId45"/>
+    <p:sldId id="321" r:id="rId46"/>
   </p:sldIdLst>
   <p:sldSz cx="9144000" cy="6858000" type="screen4x3"/>
   <p:notesSz cx="6858000" cy="9144000"/>
@@ -235,7 +237,7 @@
             <a:fld id="{0EBA2696-AEF1-4918-AC9B-DB88D18E6BD8}" type="datetimeFigureOut">
               <a:rPr lang="zh-CN" altLang="en-US" smtClean="0"/>
               <a:pPr/>
-              <a:t>2014/10/8</a:t>
+              <a:t>2014/10/9</a:t>
             </a:fld>
             <a:endParaRPr lang="zh-CN" altLang="en-US"/>
           </a:p>
@@ -641,6 +643,108 @@
           </a:bodyPr>
           <a:lstStyle/>
           <a:p>
+            <a:r>
+              <a:rPr lang="zh-CN" altLang="en-US" dirty="0" smtClean="0"/>
+              <a:t>实际上</a:t>
+            </a:r>
+            <a:r>
+              <a:rPr lang="en-US" altLang="zh-CN" dirty="0" smtClean="0"/>
+              <a:t>CE</a:t>
+            </a:r>
+            <a:r>
+              <a:rPr lang="zh-CN" altLang="en-US" dirty="0" smtClean="0"/>
+              <a:t>的</a:t>
+            </a:r>
+            <a:r>
+              <a:rPr lang="en-US" altLang="zh-CN" dirty="0" err="1" smtClean="0"/>
+              <a:t>lua</a:t>
+            </a:r>
+            <a:r>
+              <a:rPr lang="zh-CN" altLang="en-US" dirty="0" smtClean="0"/>
+              <a:t>还跟编辑器关联很紧密，不单单做逻辑</a:t>
+            </a:r>
+            <a:endParaRPr lang="zh-CN" altLang="en-US" dirty="0"/>
+          </a:p>
+        </p:txBody>
+      </p:sp>
+      <p:sp>
+        <p:nvSpPr>
+          <p:cNvPr id="4" name="灯片编号占位符 3"/>
+          <p:cNvSpPr>
+            <a:spLocks noGrp="1"/>
+          </p:cNvSpPr>
+          <p:nvPr>
+            <p:ph type="sldNum" sz="quarter" idx="10"/>
+          </p:nvPr>
+        </p:nvSpPr>
+        <p:spPr/>
+        <p:txBody>
+          <a:bodyPr/>
+          <a:lstStyle/>
+          <a:p>
+            <a:fld id="{DD4D0C74-D1CC-4C6A-A9FE-8B5ADC5BD1EB}" type="slidenum">
+              <a:rPr lang="zh-CN" altLang="en-US" smtClean="0"/>
+              <a:pPr/>
+              <a:t>36</a:t>
+            </a:fld>
+            <a:endParaRPr lang="zh-CN" altLang="en-US"/>
+          </a:p>
+        </p:txBody>
+      </p:sp>
+    </p:spTree>
+  </p:cSld>
+  <p:clrMapOvr>
+    <a:masterClrMapping/>
+  </p:clrMapOvr>
+</p:notes>
+</file>
+
+<file path=ppt/notesSlides/notesSlide11.xml><?xml version="1.0" encoding="utf-8"?>
+<p:notes xmlns:a="http://schemas.openxmlformats.org/drawingml/2006/main" xmlns:r="http://schemas.openxmlformats.org/officeDocument/2006/relationships" xmlns:p="http://schemas.openxmlformats.org/presentationml/2006/main">
+  <p:cSld>
+    <p:spTree>
+      <p:nvGrpSpPr>
+        <p:cNvPr id="1" name=""/>
+        <p:cNvGrpSpPr/>
+        <p:nvPr/>
+      </p:nvGrpSpPr>
+      <p:grpSpPr>
+        <a:xfrm>
+          <a:off x="0" y="0"/>
+          <a:ext cx="0" cy="0"/>
+          <a:chOff x="0" y="0"/>
+          <a:chExt cx="0" cy="0"/>
+        </a:xfrm>
+      </p:grpSpPr>
+      <p:sp>
+        <p:nvSpPr>
+          <p:cNvPr id="2" name="幻灯片图像占位符 1"/>
+          <p:cNvSpPr>
+            <a:spLocks noGrp="1" noRot="1" noChangeAspect="1"/>
+          </p:cNvSpPr>
+          <p:nvPr>
+            <p:ph type="sldImg"/>
+          </p:nvPr>
+        </p:nvSpPr>
+        <p:spPr/>
+      </p:sp>
+      <p:sp>
+        <p:nvSpPr>
+          <p:cNvPr id="3" name="备注占位符 2"/>
+          <p:cNvSpPr>
+            <a:spLocks noGrp="1"/>
+          </p:cNvSpPr>
+          <p:nvPr>
+            <p:ph type="body" idx="1"/>
+          </p:nvPr>
+        </p:nvSpPr>
+        <p:spPr/>
+        <p:txBody>
+          <a:bodyPr>
+            <a:normAutofit/>
+          </a:bodyPr>
+          <a:lstStyle/>
+          <a:p>
             <a:endParaRPr lang="zh-CN" altLang="en-US" dirty="0"/>
           </a:p>
         </p:txBody>
@@ -1292,7 +1396,75 @@
           </a:bodyPr>
           <a:lstStyle/>
           <a:p>
-            <a:endParaRPr lang="zh-CN" altLang="en-US" dirty="0"/>
+            <a:r>
+              <a:rPr lang="zh-CN" altLang="en-US" dirty="0" smtClean="0"/>
+              <a:t>假如没有对象绑定，</a:t>
+            </a:r>
+            <a:r>
+              <a:rPr lang="en-US" altLang="zh-CN" dirty="0" smtClean="0"/>
+              <a:t>LUA</a:t>
+            </a:r>
+            <a:r>
+              <a:rPr lang="zh-CN" altLang="en-US" dirty="0" smtClean="0"/>
+              <a:t>中都是各种全局函数，那么一个简单的事情会非常复杂，比如，想同类型的</a:t>
+            </a:r>
+            <a:r>
+              <a:rPr lang="en-US" altLang="zh-CN" dirty="0" smtClean="0"/>
+              <a:t>C++</a:t>
+            </a:r>
+            <a:r>
+              <a:rPr lang="zh-CN" altLang="en-US" dirty="0" smtClean="0"/>
+              <a:t>对象，处理逻辑不同，例如</a:t>
+            </a:r>
+            <a:r>
+              <a:rPr lang="en-US" altLang="zh-CN" dirty="0" smtClean="0"/>
+              <a:t>UI</a:t>
+            </a:r>
+            <a:r>
+              <a:rPr lang="zh-CN" altLang="en-US" dirty="0" smtClean="0"/>
+              <a:t>库中的两个按钮，</a:t>
+            </a:r>
+            <a:r>
+              <a:rPr lang="en-US" altLang="zh-CN" dirty="0" err="1" smtClean="0"/>
+              <a:t>onclick</a:t>
+            </a:r>
+            <a:r>
+              <a:rPr lang="zh-CN" altLang="en-US" dirty="0" smtClean="0"/>
+              <a:t>是不同的，如果在</a:t>
+            </a:r>
+            <a:r>
+              <a:rPr lang="en-US" altLang="zh-CN" dirty="0" err="1" smtClean="0"/>
+              <a:t>lua</a:t>
+            </a:r>
+            <a:r>
+              <a:rPr lang="zh-CN" altLang="en-US" dirty="0" smtClean="0"/>
+              <a:t>中没有一个</a:t>
+            </a:r>
+            <a:r>
+              <a:rPr lang="en-US" altLang="zh-CN" dirty="0" smtClean="0"/>
+              <a:t>table</a:t>
+            </a:r>
+            <a:r>
+              <a:rPr lang="zh-CN" altLang="en-US" dirty="0" smtClean="0"/>
+              <a:t>或者其他跟</a:t>
+            </a:r>
+            <a:r>
+              <a:rPr lang="en-US" altLang="zh-CN" dirty="0" err="1" smtClean="0"/>
+              <a:t>c++</a:t>
+            </a:r>
+            <a:r>
+              <a:rPr lang="zh-CN" altLang="en-US" dirty="0" smtClean="0"/>
+              <a:t>对象对应，那回调管理会很混乱，反过来，</a:t>
+            </a:r>
+            <a:r>
+              <a:rPr lang="en-US" altLang="zh-CN" dirty="0" err="1" smtClean="0"/>
+              <a:t>lua</a:t>
+            </a:r>
+            <a:r>
+              <a:rPr lang="zh-CN" altLang="en-US" dirty="0" smtClean="0"/>
+              <a:t>中要操作一个对象，如果没有对应的对象逻辑，无法实现</a:t>
+            </a:r>
+            <a:endParaRPr lang="en-US" altLang="zh-CN" dirty="0" smtClean="0"/>
           </a:p>
         </p:txBody>
       </p:sp>
@@ -1678,7 +1850,7 @@
             <a:fld id="{D81A5CBF-4C6E-4977-AEA3-6840D17076B2}" type="datetimeFigureOut">
               <a:rPr lang="zh-CN" altLang="en-US" smtClean="0"/>
               <a:pPr/>
-              <a:t>2014/10/8</a:t>
+              <a:t>2014/10/9</a:t>
             </a:fld>
             <a:endParaRPr lang="zh-CN" altLang="en-US"/>
           </a:p>
@@ -1845,7 +2017,7 @@
             <a:fld id="{D81A5CBF-4C6E-4977-AEA3-6840D17076B2}" type="datetimeFigureOut">
               <a:rPr lang="zh-CN" altLang="en-US" smtClean="0"/>
               <a:pPr/>
-              <a:t>2014/10/8</a:t>
+              <a:t>2014/10/9</a:t>
             </a:fld>
             <a:endParaRPr lang="zh-CN" altLang="en-US"/>
           </a:p>
@@ -2022,7 +2194,7 @@
             <a:fld id="{D81A5CBF-4C6E-4977-AEA3-6840D17076B2}" type="datetimeFigureOut">
               <a:rPr lang="zh-CN" altLang="en-US" smtClean="0"/>
               <a:pPr/>
-              <a:t>2014/10/8</a:t>
+              <a:t>2014/10/9</a:t>
             </a:fld>
             <a:endParaRPr lang="zh-CN" altLang="en-US"/>
           </a:p>
@@ -2283,7 +2455,7 @@
             <a:fld id="{530820CF-B880-4189-942D-D702A7CBA730}" type="datetimeFigureOut">
               <a:rPr lang="zh-CN" altLang="en-US" smtClean="0"/>
               <a:pPr/>
-              <a:t>2014/10/8</a:t>
+              <a:t>2014/10/9</a:t>
             </a:fld>
             <a:endParaRPr lang="zh-CN" altLang="en-US"/>
           </a:p>
@@ -2335,7 +2507,7 @@
     </p:spTree>
     <p:extLst>
       <p:ext uri="{BB962C8B-B14F-4D97-AF65-F5344CB8AC3E}">
-        <p14:creationId xmlns="" xmlns:p14="http://schemas.microsoft.com/office/powerpoint/2010/main" val="3561346654"/>
+        <p14:creationId xmlns:p14="http://schemas.microsoft.com/office/powerpoint/2010/main" xmlns="" val="3561346654"/>
       </p:ext>
     </p:extLst>
   </p:cSld>
@@ -2497,7 +2669,7 @@
             <a:fld id="{530820CF-B880-4189-942D-D702A7CBA730}" type="datetimeFigureOut">
               <a:rPr lang="zh-CN" altLang="en-US" smtClean="0"/>
               <a:pPr/>
-              <a:t>2014/10/8</a:t>
+              <a:t>2014/10/9</a:t>
             </a:fld>
             <a:endParaRPr lang="zh-CN" altLang="en-US"/>
           </a:p>
@@ -2549,7 +2721,7 @@
     </p:spTree>
     <p:extLst>
       <p:ext uri="{BB962C8B-B14F-4D97-AF65-F5344CB8AC3E}">
-        <p14:creationId xmlns="" xmlns:p14="http://schemas.microsoft.com/office/powerpoint/2010/main" val="1165993833"/>
+        <p14:creationId xmlns:p14="http://schemas.microsoft.com/office/powerpoint/2010/main" xmlns="" val="1165993833"/>
       </p:ext>
     </p:extLst>
   </p:cSld>
@@ -2752,7 +2924,7 @@
             <a:fld id="{530820CF-B880-4189-942D-D702A7CBA730}" type="datetimeFigureOut">
               <a:rPr lang="zh-CN" altLang="en-US" smtClean="0"/>
               <a:pPr/>
-              <a:t>2014/10/8</a:t>
+              <a:t>2014/10/9</a:t>
             </a:fld>
             <a:endParaRPr lang="zh-CN" altLang="en-US"/>
           </a:p>
@@ -2804,7 +2976,7 @@
     </p:spTree>
     <p:extLst>
       <p:ext uri="{BB962C8B-B14F-4D97-AF65-F5344CB8AC3E}">
-        <p14:creationId xmlns="" xmlns:p14="http://schemas.microsoft.com/office/powerpoint/2010/main" val="2393618693"/>
+        <p14:creationId xmlns:p14="http://schemas.microsoft.com/office/powerpoint/2010/main" xmlns="" val="2393618693"/>
       </p:ext>
     </p:extLst>
   </p:cSld>
@@ -3049,7 +3221,7 @@
             <a:fld id="{530820CF-B880-4189-942D-D702A7CBA730}" type="datetimeFigureOut">
               <a:rPr lang="zh-CN" altLang="en-US" smtClean="0"/>
               <a:pPr/>
-              <a:t>2014/10/8</a:t>
+              <a:t>2014/10/9</a:t>
             </a:fld>
             <a:endParaRPr lang="zh-CN" altLang="en-US"/>
           </a:p>
@@ -3101,7 +3273,7 @@
     </p:spTree>
     <p:extLst>
       <p:ext uri="{BB962C8B-B14F-4D97-AF65-F5344CB8AC3E}">
-        <p14:creationId xmlns="" xmlns:p14="http://schemas.microsoft.com/office/powerpoint/2010/main" val="642387211"/>
+        <p14:creationId xmlns:p14="http://schemas.microsoft.com/office/powerpoint/2010/main" xmlns="" val="642387211"/>
       </p:ext>
     </p:extLst>
   </p:cSld>
@@ -3480,7 +3652,7 @@
             <a:fld id="{530820CF-B880-4189-942D-D702A7CBA730}" type="datetimeFigureOut">
               <a:rPr lang="zh-CN" altLang="en-US" smtClean="0"/>
               <a:pPr/>
-              <a:t>2014/10/8</a:t>
+              <a:t>2014/10/9</a:t>
             </a:fld>
             <a:endParaRPr lang="zh-CN" altLang="en-US"/>
           </a:p>
@@ -3532,7 +3704,7 @@
     </p:spTree>
     <p:extLst>
       <p:ext uri="{BB962C8B-B14F-4D97-AF65-F5344CB8AC3E}">
-        <p14:creationId xmlns="" xmlns:p14="http://schemas.microsoft.com/office/powerpoint/2010/main" val="569522172"/>
+        <p14:creationId xmlns:p14="http://schemas.microsoft.com/office/powerpoint/2010/main" xmlns="" val="569522172"/>
       </p:ext>
     </p:extLst>
   </p:cSld>
@@ -3600,7 +3772,7 @@
             <a:fld id="{530820CF-B880-4189-942D-D702A7CBA730}" type="datetimeFigureOut">
               <a:rPr lang="zh-CN" altLang="en-US" smtClean="0"/>
               <a:pPr/>
-              <a:t>2014/10/8</a:t>
+              <a:t>2014/10/9</a:t>
             </a:fld>
             <a:endParaRPr lang="zh-CN" altLang="en-US"/>
           </a:p>
@@ -3652,7 +3824,7 @@
     </p:spTree>
     <p:extLst>
       <p:ext uri="{BB962C8B-B14F-4D97-AF65-F5344CB8AC3E}">
-        <p14:creationId xmlns="" xmlns:p14="http://schemas.microsoft.com/office/powerpoint/2010/main" val="2271466091"/>
+        <p14:creationId xmlns:p14="http://schemas.microsoft.com/office/powerpoint/2010/main" xmlns="" val="2271466091"/>
       </p:ext>
     </p:extLst>
   </p:cSld>
@@ -3697,7 +3869,7 @@
             <a:fld id="{530820CF-B880-4189-942D-D702A7CBA730}" type="datetimeFigureOut">
               <a:rPr lang="zh-CN" altLang="en-US" smtClean="0"/>
               <a:pPr/>
-              <a:t>2014/10/8</a:t>
+              <a:t>2014/10/9</a:t>
             </a:fld>
             <a:endParaRPr lang="zh-CN" altLang="en-US"/>
           </a:p>
@@ -3749,7 +3921,7 @@
     </p:spTree>
     <p:extLst>
       <p:ext uri="{BB962C8B-B14F-4D97-AF65-F5344CB8AC3E}">
-        <p14:creationId xmlns="" xmlns:p14="http://schemas.microsoft.com/office/powerpoint/2010/main" val="2299628970"/>
+        <p14:creationId xmlns:p14="http://schemas.microsoft.com/office/powerpoint/2010/main" xmlns="" val="2299628970"/>
       </p:ext>
     </p:extLst>
   </p:cSld>
@@ -3983,7 +4155,7 @@
             <a:fld id="{530820CF-B880-4189-942D-D702A7CBA730}" type="datetimeFigureOut">
               <a:rPr lang="zh-CN" altLang="en-US" smtClean="0"/>
               <a:pPr/>
-              <a:t>2014/10/8</a:t>
+              <a:t>2014/10/9</a:t>
             </a:fld>
             <a:endParaRPr lang="zh-CN" altLang="en-US"/>
           </a:p>
@@ -4035,7 +4207,7 @@
     </p:spTree>
     <p:extLst>
       <p:ext uri="{BB962C8B-B14F-4D97-AF65-F5344CB8AC3E}">
-        <p14:creationId xmlns="" xmlns:p14="http://schemas.microsoft.com/office/powerpoint/2010/main" val="4152868749"/>
+        <p14:creationId xmlns:p14="http://schemas.microsoft.com/office/powerpoint/2010/main" xmlns="" val="4152868749"/>
       </p:ext>
     </p:extLst>
   </p:cSld>
@@ -4155,7 +4327,7 @@
             <a:fld id="{D81A5CBF-4C6E-4977-AEA3-6840D17076B2}" type="datetimeFigureOut">
               <a:rPr lang="zh-CN" altLang="en-US" smtClean="0"/>
               <a:pPr/>
-              <a:t>2014/10/8</a:t>
+              <a:t>2014/10/9</a:t>
             </a:fld>
             <a:endParaRPr lang="zh-CN" altLang="en-US"/>
           </a:p>
@@ -4409,7 +4581,7 @@
             <a:fld id="{530820CF-B880-4189-942D-D702A7CBA730}" type="datetimeFigureOut">
               <a:rPr lang="zh-CN" altLang="en-US" smtClean="0"/>
               <a:pPr/>
-              <a:t>2014/10/8</a:t>
+              <a:t>2014/10/9</a:t>
             </a:fld>
             <a:endParaRPr lang="zh-CN" altLang="en-US"/>
           </a:p>
@@ -4461,7 +4633,7 @@
     </p:spTree>
     <p:extLst>
       <p:ext uri="{BB962C8B-B14F-4D97-AF65-F5344CB8AC3E}">
-        <p14:creationId xmlns="" xmlns:p14="http://schemas.microsoft.com/office/powerpoint/2010/main" val="3175894245"/>
+        <p14:creationId xmlns:p14="http://schemas.microsoft.com/office/powerpoint/2010/main" xmlns="" val="3175894245"/>
       </p:ext>
     </p:extLst>
   </p:cSld>
@@ -4581,7 +4753,7 @@
             <a:fld id="{530820CF-B880-4189-942D-D702A7CBA730}" type="datetimeFigureOut">
               <a:rPr lang="zh-CN" altLang="en-US" smtClean="0"/>
               <a:pPr/>
-              <a:t>2014/10/8</a:t>
+              <a:t>2014/10/9</a:t>
             </a:fld>
             <a:endParaRPr lang="zh-CN" altLang="en-US"/>
           </a:p>
@@ -4633,7 +4805,7 @@
     </p:spTree>
     <p:extLst>
       <p:ext uri="{BB962C8B-B14F-4D97-AF65-F5344CB8AC3E}">
-        <p14:creationId xmlns="" xmlns:p14="http://schemas.microsoft.com/office/powerpoint/2010/main" val="4120271316"/>
+        <p14:creationId xmlns:p14="http://schemas.microsoft.com/office/powerpoint/2010/main" xmlns="" val="4120271316"/>
       </p:ext>
     </p:extLst>
   </p:cSld>
@@ -4763,7 +4935,7 @@
             <a:fld id="{530820CF-B880-4189-942D-D702A7CBA730}" type="datetimeFigureOut">
               <a:rPr lang="zh-CN" altLang="en-US" smtClean="0"/>
               <a:pPr/>
-              <a:t>2014/10/8</a:t>
+              <a:t>2014/10/9</a:t>
             </a:fld>
             <a:endParaRPr lang="zh-CN" altLang="en-US"/>
           </a:p>
@@ -4815,7 +4987,7 @@
     </p:spTree>
     <p:extLst>
       <p:ext uri="{BB962C8B-B14F-4D97-AF65-F5344CB8AC3E}">
-        <p14:creationId xmlns="" xmlns:p14="http://schemas.microsoft.com/office/powerpoint/2010/main" val="2893309734"/>
+        <p14:creationId xmlns:p14="http://schemas.microsoft.com/office/powerpoint/2010/main" xmlns="" val="2893309734"/>
       </p:ext>
     </p:extLst>
   </p:cSld>
@@ -4883,7 +5055,7 @@
             <a:fld id="{530820CF-B880-4189-942D-D702A7CBA730}" type="datetimeFigureOut">
               <a:rPr lang="zh-CN" altLang="en-US" smtClean="0"/>
               <a:pPr/>
-              <a:t>2014/10/8</a:t>
+              <a:t>2014/10/9</a:t>
             </a:fld>
             <a:endParaRPr lang="zh-CN" altLang="en-US"/>
           </a:p>
@@ -5126,7 +5298,7 @@
             <a:fld id="{D81A5CBF-4C6E-4977-AEA3-6840D17076B2}" type="datetimeFigureOut">
               <a:rPr lang="zh-CN" altLang="en-US" smtClean="0"/>
               <a:pPr/>
-              <a:t>2014/10/8</a:t>
+              <a:t>2014/10/9</a:t>
             </a:fld>
             <a:endParaRPr lang="zh-CN" altLang="en-US"/>
           </a:p>
@@ -5411,7 +5583,7 @@
             <a:fld id="{D81A5CBF-4C6E-4977-AEA3-6840D17076B2}" type="datetimeFigureOut">
               <a:rPr lang="zh-CN" altLang="en-US" smtClean="0"/>
               <a:pPr/>
-              <a:t>2014/10/8</a:t>
+              <a:t>2014/10/9</a:t>
             </a:fld>
             <a:endParaRPr lang="zh-CN" altLang="en-US"/>
           </a:p>
@@ -5830,7 +6002,7 @@
             <a:fld id="{D81A5CBF-4C6E-4977-AEA3-6840D17076B2}" type="datetimeFigureOut">
               <a:rPr lang="zh-CN" altLang="en-US" smtClean="0"/>
               <a:pPr/>
-              <a:t>2014/10/8</a:t>
+              <a:t>2014/10/9</a:t>
             </a:fld>
             <a:endParaRPr lang="zh-CN" altLang="en-US"/>
           </a:p>
@@ -5945,7 +6117,7 @@
             <a:fld id="{D81A5CBF-4C6E-4977-AEA3-6840D17076B2}" type="datetimeFigureOut">
               <a:rPr lang="zh-CN" altLang="en-US" smtClean="0"/>
               <a:pPr/>
-              <a:t>2014/10/8</a:t>
+              <a:t>2014/10/9</a:t>
             </a:fld>
             <a:endParaRPr lang="zh-CN" altLang="en-US"/>
           </a:p>
@@ -6037,7 +6209,7 @@
             <a:fld id="{D81A5CBF-4C6E-4977-AEA3-6840D17076B2}" type="datetimeFigureOut">
               <a:rPr lang="zh-CN" altLang="en-US" smtClean="0"/>
               <a:pPr/>
-              <a:t>2014/10/8</a:t>
+              <a:t>2014/10/9</a:t>
             </a:fld>
             <a:endParaRPr lang="zh-CN" altLang="en-US"/>
           </a:p>
@@ -6311,7 +6483,7 @@
             <a:fld id="{D81A5CBF-4C6E-4977-AEA3-6840D17076B2}" type="datetimeFigureOut">
               <a:rPr lang="zh-CN" altLang="en-US" smtClean="0"/>
               <a:pPr/>
-              <a:t>2014/10/8</a:t>
+              <a:t>2014/10/9</a:t>
             </a:fld>
             <a:endParaRPr lang="zh-CN" altLang="en-US"/>
           </a:p>
@@ -6561,7 +6733,7 @@
             <a:fld id="{D81A5CBF-4C6E-4977-AEA3-6840D17076B2}" type="datetimeFigureOut">
               <a:rPr lang="zh-CN" altLang="en-US" smtClean="0"/>
               <a:pPr/>
-              <a:t>2014/10/8</a:t>
+              <a:t>2014/10/9</a:t>
             </a:fld>
             <a:endParaRPr lang="zh-CN" altLang="en-US"/>
           </a:p>
@@ -6780,7 +6952,7 @@
             <a:fld id="{D81A5CBF-4C6E-4977-AEA3-6840D17076B2}" type="datetimeFigureOut">
               <a:rPr lang="zh-CN" altLang="en-US" smtClean="0"/>
               <a:pPr/>
-              <a:t>2014/10/8</a:t>
+              <a:t>2014/10/9</a:t>
             </a:fld>
             <a:endParaRPr lang="zh-CN" altLang="en-US"/>
           </a:p>
@@ -7296,7 +7468,7 @@
             <a:fld id="{530820CF-B880-4189-942D-D702A7CBA730}" type="datetimeFigureOut">
               <a:rPr lang="zh-CN" altLang="en-US" smtClean="0"/>
               <a:pPr/>
-              <a:t>2014/10/8</a:t>
+              <a:t>2014/10/9</a:t>
             </a:fld>
             <a:endParaRPr lang="zh-CN" altLang="en-US"/>
           </a:p>
@@ -7384,7 +7556,7 @@
     </p:spTree>
     <p:extLst>
       <p:ext uri="{BB962C8B-B14F-4D97-AF65-F5344CB8AC3E}">
-        <p14:creationId xmlns="" xmlns:p14="http://schemas.microsoft.com/office/powerpoint/2010/main" val="1564018288"/>
+        <p14:creationId xmlns:p14="http://schemas.microsoft.com/office/powerpoint/2010/main" xmlns="" val="1564018288"/>
       </p:ext>
     </p:extLst>
   </p:cSld>
@@ -10157,6 +10329,17 @@
           <a:lstStyle/>
           <a:p>
             <a:r>
+              <a:rPr lang="en-US" altLang="zh-CN" dirty="0" smtClean="0"/>
+              <a:t>Why</a:t>
+            </a:r>
+            <a:r>
+              <a:rPr lang="zh-CN" altLang="en-US" dirty="0" smtClean="0"/>
+              <a:t>？</a:t>
+            </a:r>
+            <a:endParaRPr lang="en-US" altLang="zh-CN" dirty="0" smtClean="0"/>
+          </a:p>
+          <a:p>
+            <a:r>
               <a:rPr lang="en-US" altLang="zh-CN" dirty="0" err="1" smtClean="0"/>
               <a:t>Cocos-userdata</a:t>
             </a:r>
@@ -12057,6 +12240,41 @@
               <a:t>entity</a:t>
             </a:r>
           </a:p>
+          <a:p>
+            <a:r>
+              <a:rPr lang="en-US" altLang="zh-CN" dirty="0" smtClean="0"/>
+              <a:t>Entity</a:t>
+            </a:r>
+            <a:r>
+              <a:rPr lang="zh-CN" altLang="en-US" dirty="0" smtClean="0"/>
+              <a:t>对象负责创建和销毁对应的</a:t>
+            </a:r>
+            <a:r>
+              <a:rPr lang="en-US" altLang="zh-CN" dirty="0" smtClean="0"/>
+              <a:t>LUA table</a:t>
+            </a:r>
+            <a:r>
+              <a:rPr lang="zh-CN" altLang="en-US" dirty="0" smtClean="0"/>
+              <a:t>，用</a:t>
+            </a:r>
+            <a:r>
+              <a:rPr lang="en-US" altLang="zh-CN" dirty="0" smtClean="0"/>
+              <a:t>ref</a:t>
+            </a:r>
+            <a:r>
+              <a:rPr lang="zh-CN" altLang="en-US" dirty="0" smtClean="0"/>
+              <a:t>保证</a:t>
+            </a:r>
+            <a:r>
+              <a:rPr lang="en-US" altLang="zh-CN" dirty="0" smtClean="0"/>
+              <a:t>LUA</a:t>
+            </a:r>
+            <a:r>
+              <a:rPr lang="zh-CN" altLang="en-US" dirty="0" smtClean="0"/>
+              <a:t>不会销毁</a:t>
+            </a:r>
+            <a:endParaRPr lang="en-US" altLang="zh-CN" dirty="0" smtClean="0"/>
+          </a:p>
         </p:txBody>
       </p:sp>
     </p:spTree>
@@ -12469,7 +12687,11 @@
           <a:p>
             <a:r>
               <a:rPr lang="zh-CN" altLang="en-US" dirty="0" smtClean="0"/>
-              <a:t>对象管理</a:t>
+              <a:t>对象</a:t>
+            </a:r>
+            <a:r>
+              <a:rPr lang="zh-CN" altLang="en-US" dirty="0" smtClean="0"/>
+              <a:t>管理</a:t>
             </a:r>
             <a:r>
               <a:rPr lang="en-US" altLang="zh-CN" dirty="0" smtClean="0"/>
@@ -12499,104 +12721,64 @@
           <a:lstStyle/>
           <a:p>
             <a:r>
+              <a:rPr lang="en-US" altLang="zh-CN" dirty="0" smtClean="0"/>
+              <a:t>CE3</a:t>
+            </a:r>
+            <a:r>
+              <a:rPr lang="zh-CN" altLang="en-US" dirty="0" smtClean="0"/>
+              <a:t>，用</a:t>
+            </a:r>
+            <a:r>
+              <a:rPr lang="zh-CN" altLang="en-US" dirty="0" smtClean="0"/>
+              <a:t>的是</a:t>
+            </a:r>
+            <a:r>
+              <a:rPr lang="en-US" altLang="zh-CN" dirty="0" smtClean="0"/>
+              <a:t>ID</a:t>
+            </a:r>
+            <a:r>
+              <a:rPr lang="zh-CN" altLang="en-US" dirty="0" smtClean="0"/>
+              <a:t>，有系统保证能获得正确的</a:t>
+            </a:r>
+            <a:r>
+              <a:rPr lang="en-US" altLang="zh-CN" dirty="0" smtClean="0"/>
+              <a:t>entity</a:t>
+            </a:r>
+          </a:p>
+          <a:p>
+            <a:endParaRPr lang="en-US" altLang="zh-CN" dirty="0" smtClean="0"/>
+          </a:p>
+          <a:p>
+            <a:r>
               <a:rPr lang="en-US" altLang="zh-CN" dirty="0" err="1" smtClean="0"/>
-              <a:t>tolua</a:t>
-            </a:r>
-            <a:r>
-              <a:rPr lang="zh-CN" altLang="en-US" dirty="0" smtClean="0"/>
-              <a:t>的</a:t>
-            </a:r>
-            <a:r>
-              <a:rPr lang="en-US" altLang="zh-CN" dirty="0" smtClean="0"/>
-              <a:t>RTTI</a:t>
-            </a:r>
-            <a:r>
-              <a:rPr lang="zh-CN" altLang="en-US" dirty="0" smtClean="0"/>
-              <a:t>，</a:t>
-            </a:r>
-            <a:r>
-              <a:rPr lang="en-US" altLang="zh-CN" dirty="0" smtClean="0"/>
-              <a:t>C++</a:t>
-            </a:r>
-            <a:r>
-              <a:rPr lang="zh-CN" altLang="en-US" dirty="0" smtClean="0"/>
-              <a:t>的</a:t>
+              <a:t>s</a:t>
             </a:r>
             <a:r>
               <a:rPr lang="en-US" altLang="zh-CN" dirty="0" err="1" smtClean="0"/>
-              <a:t>dynamiccast</a:t>
-            </a:r>
-            <a:endParaRPr lang="en-US" altLang="zh-CN" dirty="0" smtClean="0"/>
-          </a:p>
-          <a:p>
-            <a:r>
-              <a:rPr lang="zh-CN" altLang="en-US" dirty="0" smtClean="0"/>
-              <a:t>在注册表中创建一个表</a:t>
-            </a:r>
-            <a:r>
-              <a:rPr lang="en-US" altLang="zh-CN" dirty="0" err="1" smtClean="0"/>
-              <a:t>tolua_super</a:t>
-            </a:r>
-            <a:endParaRPr lang="en-US" altLang="zh-CN" dirty="0" smtClean="0"/>
-          </a:p>
-          <a:p>
-            <a:r>
-              <a:rPr lang="zh-CN" altLang="en-US" dirty="0" smtClean="0"/>
-              <a:t>用</a:t>
-            </a:r>
-            <a:r>
-              <a:rPr lang="en-US" altLang="zh-CN" dirty="0" err="1" smtClean="0"/>
-              <a:t>metatable</a:t>
-            </a:r>
-            <a:r>
-              <a:rPr lang="zh-CN" altLang="en-US" dirty="0" smtClean="0"/>
-              <a:t>做</a:t>
-            </a:r>
-            <a:r>
-              <a:rPr lang="en-US" altLang="zh-CN" dirty="0" smtClean="0"/>
-              <a:t>key</a:t>
-            </a:r>
-            <a:r>
-              <a:rPr lang="zh-CN" altLang="en-US" dirty="0" smtClean="0"/>
-              <a:t>，存的</a:t>
-            </a:r>
-            <a:r>
-              <a:rPr lang="en-US" altLang="zh-CN" dirty="0" smtClean="0"/>
-              <a:t>table</a:t>
-            </a:r>
-            <a:r>
-              <a:rPr lang="zh-CN" altLang="en-US" dirty="0" smtClean="0"/>
-              <a:t>里放的都是该类型的父类型的名称</a:t>
-            </a:r>
-            <a:endParaRPr lang="en-US" altLang="zh-CN" dirty="0" smtClean="0"/>
-          </a:p>
-          <a:p>
-            <a:r>
-              <a:rPr lang="zh-CN" altLang="en-US" dirty="0" smtClean="0"/>
-              <a:t>给出一个</a:t>
-            </a:r>
-            <a:r>
-              <a:rPr lang="en-US" altLang="zh-CN" dirty="0" err="1" smtClean="0"/>
-              <a:t>userdata</a:t>
-            </a:r>
-            <a:r>
-              <a:rPr lang="zh-CN" altLang="en-US" dirty="0" smtClean="0"/>
-              <a:t>的时候，可以通过他的</a:t>
-            </a:r>
-            <a:r>
-              <a:rPr lang="en-US" altLang="zh-CN" dirty="0" err="1" smtClean="0"/>
-              <a:t>metatable</a:t>
-            </a:r>
-            <a:r>
-              <a:rPr lang="zh-CN" altLang="en-US" dirty="0" smtClean="0"/>
-              <a:t>知道该类型有哪些父类</a:t>
-            </a:r>
-            <a:endParaRPr lang="en-US" altLang="zh-CN" dirty="0" smtClean="0"/>
-          </a:p>
-          <a:p>
-            <a:endParaRPr lang="en-US" altLang="zh-CN" dirty="0" smtClean="0"/>
-          </a:p>
-          <a:p>
+              <a:t>elf:SetPos</a:t>
+            </a:r>
+            <a:r>
+              <a:rPr lang="en-US" altLang="zh-CN" dirty="0" smtClean="0"/>
+              <a:t>(pos);</a:t>
+            </a:r>
+          </a:p>
+          <a:p>
+            <a:r>
+              <a:rPr lang="en-US" altLang="zh-CN" dirty="0" smtClean="0"/>
+              <a:t>self</a:t>
+            </a:r>
+            <a:r>
+              <a:rPr lang="zh-CN" altLang="en-US" dirty="0" smtClean="0"/>
+              <a:t>表内有</a:t>
+            </a:r>
+            <a:r>
+              <a:rPr lang="en-US" altLang="zh-CN" dirty="0" smtClean="0"/>
+              <a:t>id</a:t>
+            </a:r>
+            <a:r>
+              <a:rPr lang="zh-CN" altLang="en-US" dirty="0" smtClean="0"/>
+              <a:t>信息</a:t>
+            </a:r>
             <a:endParaRPr lang="en-US" altLang="zh-CN" dirty="0" smtClean="0"/>
           </a:p>
         </p:txBody>
@@ -12651,7 +12833,7 @@
             </a:r>
             <a:r>
               <a:rPr lang="zh-CN" altLang="en-US" dirty="0" smtClean="0"/>
-              <a:t>生命周期</a:t>
+              <a:t>类型</a:t>
             </a:r>
             <a:endParaRPr lang="zh-CN" altLang="en-US" dirty="0"/>
           </a:p>
@@ -12678,48 +12860,76 @@
             </a:r>
             <a:r>
               <a:rPr lang="zh-CN" altLang="en-US" dirty="0" smtClean="0"/>
-              <a:t>的野指针预防</a:t>
+              <a:t>的</a:t>
+            </a:r>
+            <a:r>
+              <a:rPr lang="en-US" altLang="zh-CN" dirty="0" smtClean="0"/>
+              <a:t>RTTI</a:t>
+            </a:r>
+            <a:r>
+              <a:rPr lang="zh-CN" altLang="en-US" dirty="0" smtClean="0"/>
+              <a:t>，</a:t>
+            </a:r>
+            <a:r>
+              <a:rPr lang="en-US" altLang="zh-CN" dirty="0" smtClean="0"/>
+              <a:t>C++</a:t>
+            </a:r>
+            <a:r>
+              <a:rPr lang="zh-CN" altLang="en-US" dirty="0" smtClean="0"/>
+              <a:t>的</a:t>
+            </a:r>
+            <a:r>
+              <a:rPr lang="en-US" altLang="zh-CN" dirty="0" err="1" smtClean="0"/>
+              <a:t>dynamiccast</a:t>
             </a:r>
             <a:endParaRPr lang="en-US" altLang="zh-CN" dirty="0" smtClean="0"/>
           </a:p>
           <a:p>
             <a:r>
               <a:rPr lang="zh-CN" altLang="en-US" dirty="0" smtClean="0"/>
-              <a:t>在注册表创建一个叫</a:t>
+              <a:t>在注册表中创建一个表</a:t>
             </a:r>
             <a:r>
               <a:rPr lang="en-US" altLang="zh-CN" dirty="0" err="1" smtClean="0"/>
-              <a:t>ubox</a:t>
-            </a:r>
-            <a:r>
-              <a:rPr lang="zh-CN" altLang="en-US" dirty="0" smtClean="0"/>
-              <a:t>的</a:t>
+              <a:t>tolua_super</a:t>
+            </a:r>
+            <a:endParaRPr lang="en-US" altLang="zh-CN" dirty="0" smtClean="0"/>
+          </a:p>
+          <a:p>
+            <a:r>
+              <a:rPr lang="zh-CN" altLang="en-US" dirty="0" smtClean="0"/>
+              <a:t>用</a:t>
+            </a:r>
+            <a:r>
+              <a:rPr lang="en-US" altLang="zh-CN" dirty="0" err="1" smtClean="0"/>
+              <a:t>metatable</a:t>
+            </a:r>
+            <a:r>
+              <a:rPr lang="zh-CN" altLang="en-US" dirty="0" smtClean="0"/>
+              <a:t>做</a:t>
+            </a:r>
+            <a:r>
+              <a:rPr lang="en-US" altLang="zh-CN" dirty="0" smtClean="0"/>
+              <a:t>key</a:t>
+            </a:r>
+            <a:r>
+              <a:rPr lang="zh-CN" altLang="en-US" dirty="0" smtClean="0"/>
+              <a:t>，存的</a:t>
             </a:r>
             <a:r>
               <a:rPr lang="en-US" altLang="zh-CN" dirty="0" smtClean="0"/>
               <a:t>table</a:t>
             </a:r>
-          </a:p>
-          <a:p>
-            <a:r>
-              <a:rPr lang="zh-CN" altLang="en-US" dirty="0" smtClean="0"/>
-              <a:t>用对象指针做成的</a:t>
-            </a:r>
-            <a:r>
-              <a:rPr lang="en-US" altLang="zh-CN" dirty="0" err="1" smtClean="0"/>
-              <a:t>lightuserdata</a:t>
-            </a:r>
-            <a:r>
-              <a:rPr lang="zh-CN" altLang="en-US" dirty="0" smtClean="0"/>
-              <a:t>做</a:t>
-            </a:r>
-            <a:r>
-              <a:rPr lang="en-US" altLang="zh-CN" dirty="0" smtClean="0"/>
-              <a:t>key</a:t>
-            </a:r>
-            <a:r>
-              <a:rPr lang="zh-CN" altLang="en-US" dirty="0" smtClean="0"/>
-              <a:t>，</a:t>
+            <a:r>
+              <a:rPr lang="zh-CN" altLang="en-US" dirty="0" smtClean="0"/>
+              <a:t>里放的都是该类型的父类型的名称</a:t>
+            </a:r>
+            <a:endParaRPr lang="en-US" altLang="zh-CN" dirty="0" smtClean="0"/>
+          </a:p>
+          <a:p>
+            <a:r>
+              <a:rPr lang="zh-CN" altLang="en-US" dirty="0" smtClean="0"/>
+              <a:t>给出一个</a:t>
             </a:r>
             <a:r>
               <a:rPr lang="en-US" altLang="zh-CN" dirty="0" err="1" smtClean="0"/>
@@ -12727,39 +12937,22 @@
             </a:r>
             <a:r>
               <a:rPr lang="zh-CN" altLang="en-US" dirty="0" smtClean="0"/>
-              <a:t>作为</a:t>
-            </a:r>
-            <a:r>
-              <a:rPr lang="en-US" altLang="zh-CN" dirty="0" smtClean="0"/>
-              <a:t>value</a:t>
-            </a:r>
-            <a:r>
-              <a:rPr lang="zh-CN" altLang="en-US" dirty="0" smtClean="0"/>
-              <a:t>，构造的时候加入，析构的时候移除</a:t>
+              <a:t>的时候，可以通过他的</a:t>
+            </a:r>
+            <a:r>
+              <a:rPr lang="en-US" altLang="zh-CN" dirty="0" err="1" smtClean="0"/>
+              <a:t>metatable</a:t>
+            </a:r>
+            <a:r>
+              <a:rPr lang="zh-CN" altLang="en-US" dirty="0" smtClean="0"/>
+              <a:t>知道该类型有哪些父类</a:t>
             </a:r>
             <a:endParaRPr lang="en-US" altLang="zh-CN" dirty="0" smtClean="0"/>
           </a:p>
           <a:p>
-            <a:r>
-              <a:rPr lang="zh-CN" altLang="en-US" dirty="0" smtClean="0"/>
-              <a:t>野指针传入的时候通过</a:t>
-            </a:r>
-            <a:r>
-              <a:rPr lang="en-US" altLang="zh-CN" dirty="0" err="1" smtClean="0"/>
-              <a:t>ubox</a:t>
-            </a:r>
-            <a:r>
-              <a:rPr lang="zh-CN" altLang="en-US" dirty="0" smtClean="0"/>
-              <a:t>检测该</a:t>
-            </a:r>
-            <a:r>
-              <a:rPr lang="en-US" altLang="zh-CN" dirty="0" err="1" smtClean="0"/>
-              <a:t>userdata</a:t>
-            </a:r>
-            <a:r>
-              <a:rPr lang="zh-CN" altLang="en-US" dirty="0" smtClean="0"/>
-              <a:t>的有效性</a:t>
-            </a:r>
+            <a:endParaRPr lang="en-US" altLang="zh-CN" dirty="0" smtClean="0"/>
+          </a:p>
+          <a:p>
             <a:endParaRPr lang="en-US" altLang="zh-CN" dirty="0" smtClean="0"/>
           </a:p>
         </p:txBody>
@@ -12773,6 +12966,305 @@
 </file>
 
 <file path=ppt/slides/slide42.xml><?xml version="1.0" encoding="utf-8"?>
+<p:sld xmlns:a="http://schemas.openxmlformats.org/drawingml/2006/main" xmlns:r="http://schemas.openxmlformats.org/officeDocument/2006/relationships" xmlns:p="http://schemas.openxmlformats.org/presentationml/2006/main">
+  <p:cSld>
+    <p:spTree>
+      <p:nvGrpSpPr>
+        <p:cNvPr id="1" name=""/>
+        <p:cNvGrpSpPr/>
+        <p:nvPr/>
+      </p:nvGrpSpPr>
+      <p:grpSpPr>
+        <a:xfrm>
+          <a:off x="0" y="0"/>
+          <a:ext cx="0" cy="0"/>
+          <a:chOff x="0" y="0"/>
+          <a:chExt cx="0" cy="0"/>
+        </a:xfrm>
+      </p:grpSpPr>
+      <p:sp>
+        <p:nvSpPr>
+          <p:cNvPr id="2" name="标题 1"/>
+          <p:cNvSpPr>
+            <a:spLocks noGrp="1"/>
+          </p:cNvSpPr>
+          <p:nvPr>
+            <p:ph type="title"/>
+          </p:nvPr>
+        </p:nvSpPr>
+        <p:spPr/>
+        <p:txBody>
+          <a:bodyPr/>
+          <a:lstStyle/>
+          <a:p>
+            <a:r>
+              <a:rPr lang="zh-CN" altLang="en-US" dirty="0" smtClean="0"/>
+              <a:t>对象管理</a:t>
+            </a:r>
+            <a:r>
+              <a:rPr lang="en-US" altLang="zh-CN" dirty="0" smtClean="0"/>
+              <a:t>-</a:t>
+            </a:r>
+            <a:r>
+              <a:rPr lang="zh-CN" altLang="en-US" dirty="0" smtClean="0"/>
+              <a:t>生命周期</a:t>
+            </a:r>
+            <a:endParaRPr lang="zh-CN" altLang="en-US" dirty="0"/>
+          </a:p>
+        </p:txBody>
+      </p:sp>
+      <p:sp>
+        <p:nvSpPr>
+          <p:cNvPr id="3" name="内容占位符 2"/>
+          <p:cNvSpPr>
+            <a:spLocks noGrp="1"/>
+          </p:cNvSpPr>
+          <p:nvPr>
+            <p:ph idx="1"/>
+          </p:nvPr>
+        </p:nvSpPr>
+        <p:spPr/>
+        <p:txBody>
+          <a:bodyPr>
+            <a:normAutofit/>
+          </a:bodyPr>
+          <a:lstStyle/>
+          <a:p>
+            <a:r>
+              <a:rPr lang="en-US" altLang="zh-CN" dirty="0" err="1" smtClean="0"/>
+              <a:t>Lua</a:t>
+            </a:r>
+            <a:r>
+              <a:rPr lang="zh-CN" altLang="en-US" dirty="0" smtClean="0"/>
+              <a:t>代码</a:t>
+            </a:r>
+            <a:r>
+              <a:rPr lang="zh-CN" altLang="en-US" dirty="0" smtClean="0"/>
+              <a:t>中</a:t>
+            </a:r>
+            <a:endParaRPr lang="en-US" altLang="zh-CN" dirty="0" smtClean="0"/>
+          </a:p>
+          <a:p>
+            <a:r>
+              <a:rPr lang="en-US" altLang="zh-CN" dirty="0" smtClean="0"/>
+              <a:t> local x= A:create();        </a:t>
+            </a:r>
+          </a:p>
+          <a:p>
+            <a:pPr>
+              <a:buNone/>
+            </a:pPr>
+            <a:r>
+              <a:rPr lang="en-US" altLang="zh-CN" dirty="0" smtClean="0"/>
+              <a:t>    </a:t>
+            </a:r>
+            <a:r>
+              <a:rPr lang="en-US" altLang="zh-CN" dirty="0" smtClean="0"/>
+              <a:t>x:setPosition(0,0);</a:t>
+            </a:r>
+            <a:endParaRPr lang="en-US" altLang="zh-CN" dirty="0" smtClean="0"/>
+          </a:p>
+          <a:p>
+            <a:r>
+              <a:rPr lang="zh-CN" altLang="en-US" dirty="0" smtClean="0"/>
+              <a:t>局部变量被</a:t>
+            </a:r>
+            <a:r>
+              <a:rPr lang="zh-CN" altLang="en-US" dirty="0" smtClean="0"/>
+              <a:t>回收，每次使用都要再次创建，</a:t>
+            </a:r>
+            <a:r>
+              <a:rPr lang="en-US" altLang="zh-CN" dirty="0" smtClean="0"/>
+              <a:t>C++</a:t>
+            </a:r>
+            <a:r>
+              <a:rPr lang="zh-CN" altLang="en-US" dirty="0" smtClean="0"/>
+              <a:t>大量调用</a:t>
+            </a:r>
+            <a:r>
+              <a:rPr lang="en-US" altLang="zh-CN" dirty="0" smtClean="0"/>
+              <a:t>LUA</a:t>
+            </a:r>
+            <a:r>
+              <a:rPr lang="zh-CN" altLang="en-US" dirty="0" smtClean="0"/>
+              <a:t>回调的时候效率低</a:t>
+            </a:r>
+            <a:endParaRPr lang="en-US" altLang="zh-CN" dirty="0" smtClean="0"/>
+          </a:p>
+        </p:txBody>
+      </p:sp>
+    </p:spTree>
+  </p:cSld>
+  <p:clrMapOvr>
+    <a:masterClrMapping/>
+  </p:clrMapOvr>
+</p:sld>
+</file>
+
+<file path=ppt/slides/slide43.xml><?xml version="1.0" encoding="utf-8"?>
+<p:sld xmlns:a="http://schemas.openxmlformats.org/drawingml/2006/main" xmlns:r="http://schemas.openxmlformats.org/officeDocument/2006/relationships" xmlns:p="http://schemas.openxmlformats.org/presentationml/2006/main">
+  <p:cSld>
+    <p:spTree>
+      <p:nvGrpSpPr>
+        <p:cNvPr id="1" name=""/>
+        <p:cNvGrpSpPr/>
+        <p:nvPr/>
+      </p:nvGrpSpPr>
+      <p:grpSpPr>
+        <a:xfrm>
+          <a:off x="0" y="0"/>
+          <a:ext cx="0" cy="0"/>
+          <a:chOff x="0" y="0"/>
+          <a:chExt cx="0" cy="0"/>
+        </a:xfrm>
+      </p:grpSpPr>
+      <p:sp>
+        <p:nvSpPr>
+          <p:cNvPr id="2" name="标题 1"/>
+          <p:cNvSpPr>
+            <a:spLocks noGrp="1"/>
+          </p:cNvSpPr>
+          <p:nvPr>
+            <p:ph type="title"/>
+          </p:nvPr>
+        </p:nvSpPr>
+        <p:spPr/>
+        <p:txBody>
+          <a:bodyPr/>
+          <a:lstStyle/>
+          <a:p>
+            <a:r>
+              <a:rPr lang="zh-CN" altLang="en-US" dirty="0" smtClean="0"/>
+              <a:t>对象管理</a:t>
+            </a:r>
+            <a:r>
+              <a:rPr lang="en-US" altLang="zh-CN" dirty="0" smtClean="0"/>
+              <a:t>-</a:t>
+            </a:r>
+            <a:r>
+              <a:rPr lang="zh-CN" altLang="en-US" dirty="0" smtClean="0"/>
+              <a:t>生命周期</a:t>
+            </a:r>
+            <a:endParaRPr lang="zh-CN" altLang="en-US" dirty="0"/>
+          </a:p>
+        </p:txBody>
+      </p:sp>
+      <p:sp>
+        <p:nvSpPr>
+          <p:cNvPr id="3" name="内容占位符 2"/>
+          <p:cNvSpPr>
+            <a:spLocks noGrp="1"/>
+          </p:cNvSpPr>
+          <p:nvPr>
+            <p:ph idx="1"/>
+          </p:nvPr>
+        </p:nvSpPr>
+        <p:spPr/>
+        <p:txBody>
+          <a:bodyPr/>
+          <a:lstStyle/>
+          <a:p>
+            <a:r>
+              <a:rPr lang="en-US" altLang="zh-CN" dirty="0" err="1" smtClean="0"/>
+              <a:t>tolua</a:t>
+            </a:r>
+            <a:r>
+              <a:rPr lang="zh-CN" altLang="en-US" dirty="0" smtClean="0"/>
+              <a:t>的野指针预防</a:t>
+            </a:r>
+            <a:endParaRPr lang="en-US" altLang="zh-CN" dirty="0" smtClean="0"/>
+          </a:p>
+          <a:p>
+            <a:r>
+              <a:rPr lang="zh-CN" altLang="en-US" dirty="0" smtClean="0"/>
+              <a:t>在注册表创建一个叫</a:t>
+            </a:r>
+            <a:r>
+              <a:rPr lang="en-US" altLang="zh-CN" dirty="0" err="1" smtClean="0"/>
+              <a:t>ubox</a:t>
+            </a:r>
+            <a:r>
+              <a:rPr lang="zh-CN" altLang="en-US" dirty="0" smtClean="0"/>
+              <a:t>的</a:t>
+            </a:r>
+            <a:r>
+              <a:rPr lang="en-US" altLang="zh-CN" dirty="0" smtClean="0"/>
+              <a:t>table</a:t>
+            </a:r>
+          </a:p>
+          <a:p>
+            <a:r>
+              <a:rPr lang="zh-CN" altLang="en-US" dirty="0" smtClean="0"/>
+              <a:t>用对象指针做成的</a:t>
+            </a:r>
+            <a:r>
+              <a:rPr lang="en-US" altLang="zh-CN" dirty="0" err="1" smtClean="0"/>
+              <a:t>lightuserdata</a:t>
+            </a:r>
+            <a:r>
+              <a:rPr lang="zh-CN" altLang="en-US" dirty="0" smtClean="0"/>
+              <a:t>做</a:t>
+            </a:r>
+            <a:r>
+              <a:rPr lang="en-US" altLang="zh-CN" dirty="0" smtClean="0"/>
+              <a:t>key</a:t>
+            </a:r>
+            <a:r>
+              <a:rPr lang="zh-CN" altLang="en-US" dirty="0" smtClean="0"/>
+              <a:t>，</a:t>
+            </a:r>
+            <a:r>
+              <a:rPr lang="en-US" altLang="zh-CN" dirty="0" err="1" smtClean="0"/>
+              <a:t>userdata</a:t>
+            </a:r>
+            <a:r>
+              <a:rPr lang="zh-CN" altLang="en-US" dirty="0" smtClean="0"/>
+              <a:t>作为</a:t>
+            </a:r>
+            <a:r>
+              <a:rPr lang="en-US" altLang="zh-CN" dirty="0" smtClean="0"/>
+              <a:t>value</a:t>
+            </a:r>
+            <a:r>
+              <a:rPr lang="zh-CN" altLang="en-US" dirty="0" smtClean="0"/>
+              <a:t>，构造的时候加入，析构的时候移除</a:t>
+            </a:r>
+            <a:endParaRPr lang="en-US" altLang="zh-CN" dirty="0" smtClean="0"/>
+          </a:p>
+          <a:p>
+            <a:r>
+              <a:rPr lang="zh-CN" altLang="en-US" dirty="0" smtClean="0"/>
+              <a:t>野指针传入的时候通过</a:t>
+            </a:r>
+            <a:r>
+              <a:rPr lang="en-US" altLang="zh-CN" dirty="0" err="1" smtClean="0"/>
+              <a:t>ubox</a:t>
+            </a:r>
+            <a:r>
+              <a:rPr lang="zh-CN" altLang="en-US" dirty="0" smtClean="0"/>
+              <a:t>检测该</a:t>
+            </a:r>
+            <a:r>
+              <a:rPr lang="en-US" altLang="zh-CN" dirty="0" err="1" smtClean="0"/>
+              <a:t>userdata</a:t>
+            </a:r>
+            <a:r>
+              <a:rPr lang="zh-CN" altLang="en-US" dirty="0" smtClean="0"/>
+              <a:t>的有效性</a:t>
+            </a:r>
+            <a:endParaRPr lang="en-US" altLang="zh-CN" dirty="0" smtClean="0"/>
+          </a:p>
+        </p:txBody>
+      </p:sp>
+    </p:spTree>
+  </p:cSld>
+  <p:clrMapOvr>
+    <a:masterClrMapping/>
+  </p:clrMapOvr>
+</p:sld>
+</file>
+
+<file path=ppt/slides/slide44.xml><?xml version="1.0" encoding="utf-8"?>
 <p:sld xmlns:a="http://schemas.openxmlformats.org/drawingml/2006/main" xmlns:r="http://schemas.openxmlformats.org/officeDocument/2006/relationships" xmlns:p="http://schemas.openxmlformats.org/presentationml/2006/main">
   <p:cSld>
     <p:spTree>
